--- a/Reports/발표/졸업과제 여섯번째 발표 2조.pptx
+++ b/Reports/발표/졸업과제 여섯번째 발표 2조.pptx
@@ -5,7 +5,7 @@
     <p:sldMasterId id="2147483840" r:id="rId4"/>
   </p:sldMasterIdLst>
   <p:notesMasterIdLst>
-    <p:notesMasterId r:id="rId18"/>
+    <p:notesMasterId r:id="rId19"/>
   </p:notesMasterIdLst>
   <p:sldIdLst>
     <p:sldId id="256" r:id="rId5"/>
@@ -18,9 +18,10 @@
     <p:sldId id="286" r:id="rId12"/>
     <p:sldId id="287" r:id="rId13"/>
     <p:sldId id="283" r:id="rId14"/>
-    <p:sldId id="261" r:id="rId15"/>
-    <p:sldId id="262" r:id="rId16"/>
-    <p:sldId id="267" r:id="rId17"/>
+    <p:sldId id="288" r:id="rId15"/>
+    <p:sldId id="261" r:id="rId16"/>
+    <p:sldId id="262" r:id="rId17"/>
+    <p:sldId id="267" r:id="rId18"/>
   </p:sldIdLst>
   <p:sldSz cx="12192000" cy="6858000"/>
   <p:notesSz cx="6858000" cy="9144000"/>
@@ -209,7 +210,7 @@
           <a:p>
             <a:fld id="{084CC45B-20B2-4149-A3F7-4EED28680BCB}" type="datetimeFigureOut">
               <a:rPr lang="ko-KR" altLang="en-US" smtClean="0"/>
-              <a:t>2020-07-30</a:t>
+              <a:t>2020-08-06</a:t>
             </a:fld>
             <a:endParaRPr lang="ko-KR" altLang="en-US"/>
           </a:p>
@@ -722,41 +723,7 @@
           <a:bodyPr/>
           <a:lstStyle/>
           <a:p>
-            <a:r>
-              <a:rPr lang="ko-KR" altLang="en-US" dirty="0"/>
-              <a:t>회전관련 라벨 </a:t>
-            </a:r>
-            <a:r>
-              <a:rPr lang="en-US" altLang="ko-KR" dirty="0"/>
-              <a:t>– </a:t>
-            </a:r>
-            <a:r>
-              <a:rPr lang="ko-KR" altLang="en-US" dirty="0"/>
-              <a:t>속도관련 라벨로 분할 </a:t>
-            </a:r>
-            <a:r>
-              <a:rPr lang="en-US" altLang="ko-KR" dirty="0"/>
-              <a:t>-&gt; 2</a:t>
-            </a:r>
-            <a:r>
-              <a:rPr lang="ko-KR" altLang="en-US" dirty="0"/>
-              <a:t>개의 모델을 이용하여 각각의 예측 결과를 냄</a:t>
-            </a:r>
-            <a:endParaRPr lang="en-US" altLang="ko-KR" dirty="0"/>
-          </a:p>
-          <a:p>
-            <a:r>
-              <a:rPr lang="en-US" altLang="ko-KR" dirty="0"/>
-              <a:t>Merge</a:t>
-            </a:r>
-            <a:r>
-              <a:rPr lang="ko-KR" altLang="en-US" dirty="0"/>
-              <a:t>해서 최종 예측 결과를 사용하는 방법도 고려</a:t>
-            </a:r>
-            <a:r>
-              <a:rPr lang="en-US" altLang="ko-KR" dirty="0"/>
-              <a:t>.</a:t>
-            </a:r>
+            <a:endParaRPr lang="ko-KR" altLang="en-US" dirty="0"/>
           </a:p>
         </p:txBody>
       </p:sp>
@@ -767,7 +734,7 @@
             <a:spLocks noGrp="1"/>
           </p:cNvSpPr>
           <p:nvPr>
-            <p:ph type="sldNum" sz="quarter" idx="5"/>
+            <p:ph type="sldNum" sz="quarter" idx="10"/>
           </p:nvPr>
         </p:nvSpPr>
         <p:spPr/>
@@ -786,7 +753,7 @@
     </p:spTree>
     <p:extLst>
       <p:ext uri="{BB962C8B-B14F-4D97-AF65-F5344CB8AC3E}">
-        <p14:creationId xmlns:p14="http://schemas.microsoft.com/office/powerpoint/2010/main" val="577437897"/>
+        <p14:creationId xmlns:p14="http://schemas.microsoft.com/office/powerpoint/2010/main" val="2122846067"/>
       </p:ext>
     </p:extLst>
   </p:cSld>
@@ -840,7 +807,41 @@
           <a:bodyPr/>
           <a:lstStyle/>
           <a:p>
-            <a:endParaRPr lang="ko-KR" altLang="en-US" dirty="0"/>
+            <a:r>
+              <a:rPr lang="ko-KR" altLang="en-US" dirty="0"/>
+              <a:t>회전관련 라벨 </a:t>
+            </a:r>
+            <a:r>
+              <a:rPr lang="en-US" altLang="ko-KR" dirty="0"/>
+              <a:t>– </a:t>
+            </a:r>
+            <a:r>
+              <a:rPr lang="ko-KR" altLang="en-US" dirty="0"/>
+              <a:t>속도관련 라벨로 분할 </a:t>
+            </a:r>
+            <a:r>
+              <a:rPr lang="en-US" altLang="ko-KR" dirty="0"/>
+              <a:t>-&gt; 2</a:t>
+            </a:r>
+            <a:r>
+              <a:rPr lang="ko-KR" altLang="en-US" dirty="0"/>
+              <a:t>개의 모델을 이용하여 각각의 예측 결과를 냄</a:t>
+            </a:r>
+            <a:endParaRPr lang="en-US" altLang="ko-KR" dirty="0"/>
+          </a:p>
+          <a:p>
+            <a:r>
+              <a:rPr lang="en-US" altLang="ko-KR" dirty="0"/>
+              <a:t>Merge</a:t>
+            </a:r>
+            <a:r>
+              <a:rPr lang="ko-KR" altLang="en-US" dirty="0"/>
+              <a:t>해서 최종 예측 결과를 사용하는 방법도 고려</a:t>
+            </a:r>
+            <a:r>
+              <a:rPr lang="en-US" altLang="ko-KR" dirty="0"/>
+              <a:t>.</a:t>
+            </a:r>
           </a:p>
         </p:txBody>
       </p:sp>
@@ -851,7 +852,7 @@
             <a:spLocks noGrp="1"/>
           </p:cNvSpPr>
           <p:nvPr>
-            <p:ph type="sldNum" sz="quarter" idx="10"/>
+            <p:ph type="sldNum" sz="quarter" idx="5"/>
           </p:nvPr>
         </p:nvSpPr>
         <p:spPr/>
@@ -870,7 +871,7 @@
     </p:spTree>
     <p:extLst>
       <p:ext uri="{BB962C8B-B14F-4D97-AF65-F5344CB8AC3E}">
-        <p14:creationId xmlns:p14="http://schemas.microsoft.com/office/powerpoint/2010/main" val="1870616220"/>
+        <p14:creationId xmlns:p14="http://schemas.microsoft.com/office/powerpoint/2010/main" val="577437897"/>
       </p:ext>
     </p:extLst>
   </p:cSld>
@@ -935,7 +936,7 @@
             <a:spLocks noGrp="1"/>
           </p:cNvSpPr>
           <p:nvPr>
-            <p:ph type="sldNum" sz="quarter" idx="5"/>
+            <p:ph type="sldNum" sz="quarter" idx="10"/>
           </p:nvPr>
         </p:nvSpPr>
         <p:spPr/>
@@ -946,6 +947,90 @@
             <a:fld id="{9E332759-395D-4AEC-8BED-41EB225C9866}" type="slidenum">
               <a:rPr lang="ko-KR" altLang="en-US" smtClean="0"/>
               <a:t>13</a:t>
+            </a:fld>
+            <a:endParaRPr lang="ko-KR" altLang="en-US"/>
+          </a:p>
+        </p:txBody>
+      </p:sp>
+    </p:spTree>
+    <p:extLst>
+      <p:ext uri="{BB962C8B-B14F-4D97-AF65-F5344CB8AC3E}">
+        <p14:creationId xmlns:p14="http://schemas.microsoft.com/office/powerpoint/2010/main" val="1870616220"/>
+      </p:ext>
+    </p:extLst>
+  </p:cSld>
+  <p:clrMapOvr>
+    <a:masterClrMapping/>
+  </p:clrMapOvr>
+</p:notes>
+</file>
+
+<file path=ppt/notesSlides/notesSlide14.xml><?xml version="1.0" encoding="utf-8"?>
+<p:notes xmlns:a="http://schemas.openxmlformats.org/drawingml/2006/main" xmlns:r="http://schemas.openxmlformats.org/officeDocument/2006/relationships" xmlns:p="http://schemas.openxmlformats.org/presentationml/2006/main">
+  <p:cSld>
+    <p:spTree>
+      <p:nvGrpSpPr>
+        <p:cNvPr id="1" name=""/>
+        <p:cNvGrpSpPr/>
+        <p:nvPr/>
+      </p:nvGrpSpPr>
+      <p:grpSpPr>
+        <a:xfrm>
+          <a:off x="0" y="0"/>
+          <a:ext cx="0" cy="0"/>
+          <a:chOff x="0" y="0"/>
+          <a:chExt cx="0" cy="0"/>
+        </a:xfrm>
+      </p:grpSpPr>
+      <p:sp>
+        <p:nvSpPr>
+          <p:cNvPr id="2" name="슬라이드 이미지 개체 틀 1"/>
+          <p:cNvSpPr>
+            <a:spLocks noGrp="1" noRot="1" noChangeAspect="1"/>
+          </p:cNvSpPr>
+          <p:nvPr>
+            <p:ph type="sldImg"/>
+          </p:nvPr>
+        </p:nvSpPr>
+        <p:spPr/>
+      </p:sp>
+      <p:sp>
+        <p:nvSpPr>
+          <p:cNvPr id="3" name="슬라이드 노트 개체 틀 2"/>
+          <p:cNvSpPr>
+            <a:spLocks noGrp="1"/>
+          </p:cNvSpPr>
+          <p:nvPr>
+            <p:ph type="body" idx="1"/>
+          </p:nvPr>
+        </p:nvSpPr>
+        <p:spPr/>
+        <p:txBody>
+          <a:bodyPr/>
+          <a:lstStyle/>
+          <a:p>
+            <a:endParaRPr lang="ko-KR" altLang="en-US" dirty="0"/>
+          </a:p>
+        </p:txBody>
+      </p:sp>
+      <p:sp>
+        <p:nvSpPr>
+          <p:cNvPr id="4" name="슬라이드 번호 개체 틀 3"/>
+          <p:cNvSpPr>
+            <a:spLocks noGrp="1"/>
+          </p:cNvSpPr>
+          <p:nvPr>
+            <p:ph type="sldNum" sz="quarter" idx="5"/>
+          </p:nvPr>
+        </p:nvSpPr>
+        <p:spPr/>
+        <p:txBody>
+          <a:bodyPr/>
+          <a:lstStyle/>
+          <a:p>
+            <a:fld id="{9E332759-395D-4AEC-8BED-41EB225C9866}" type="slidenum">
+              <a:rPr lang="ko-KR" altLang="en-US" smtClean="0"/>
+              <a:t>14</a:t>
             </a:fld>
             <a:endParaRPr lang="ko-KR" altLang="en-US"/>
           </a:p>
@@ -2283,7 +2368,7 @@
           <a:p>
             <a:fld id="{0F58FC38-7BE5-437F-8241-FE77880D90FD}" type="datetime1">
               <a:rPr lang="ko-KR" altLang="en-US" smtClean="0"/>
-              <a:t>2020-07-30</a:t>
+              <a:t>2020-08-06</a:t>
             </a:fld>
             <a:endParaRPr lang="en-US" dirty="0"/>
           </a:p>
@@ -2438,7 +2523,7 @@
           <a:p>
             <a:fld id="{E63F51D9-A09F-4002-ACB1-C497D3C9483C}" type="datetime1">
               <a:rPr lang="ko-KR" altLang="en-US" smtClean="0"/>
-              <a:t>2020-07-30</a:t>
+              <a:t>2020-08-06</a:t>
             </a:fld>
             <a:endParaRPr lang="en-US" dirty="0"/>
           </a:p>
@@ -2617,7 +2702,7 @@
           <a:p>
             <a:fld id="{DDFDDE85-B6B6-4975-BA0D-F54F60FF0ECE}" type="datetime1">
               <a:rPr lang="ko-KR" altLang="en-US" smtClean="0"/>
-              <a:t>2020-07-30</a:t>
+              <a:t>2020-08-06</a:t>
             </a:fld>
             <a:endParaRPr lang="en-US" dirty="0"/>
           </a:p>
@@ -2797,7 +2882,7 @@
           <a:p>
             <a:fld id="{FCF1A352-F403-4DB9-A328-4556D7939B4D}" type="datetime1">
               <a:rPr lang="ko-KR" altLang="en-US" smtClean="0"/>
-              <a:t>2020-07-30</a:t>
+              <a:t>2020-08-06</a:t>
             </a:fld>
             <a:endParaRPr lang="en-US" dirty="0"/>
           </a:p>
@@ -3060,7 +3145,7 @@
           <a:p>
             <a:fld id="{7B7E4805-4CCE-472E-ADE4-F0E290887413}" type="datetime1">
               <a:rPr lang="ko-KR" altLang="en-US" smtClean="0"/>
-              <a:t>2020-07-30</a:t>
+              <a:t>2020-08-06</a:t>
             </a:fld>
             <a:endParaRPr lang="en-US" dirty="0"/>
           </a:p>
@@ -3358,7 +3443,7 @@
           <a:p>
             <a:fld id="{036055D7-1E70-443C-A648-0D635A7F384A}" type="datetime1">
               <a:rPr lang="ko-KR" altLang="en-US" smtClean="0"/>
-              <a:t>2020-07-30</a:t>
+              <a:t>2020-08-06</a:t>
             </a:fld>
             <a:endParaRPr lang="en-US" dirty="0"/>
           </a:p>
@@ -3810,7 +3895,7 @@
           <a:p>
             <a:fld id="{C3ECECBE-4479-4298-83F6-4A9C47D5F3B2}" type="datetime1">
               <a:rPr lang="ko-KR" altLang="en-US" smtClean="0"/>
-              <a:t>2020-07-30</a:t>
+              <a:t>2020-08-06</a:t>
             </a:fld>
             <a:endParaRPr lang="en-US" dirty="0"/>
           </a:p>
@@ -3938,7 +4023,7 @@
           <a:p>
             <a:fld id="{30EF5FB9-0D60-4430-A361-377FEA5726D5}" type="datetime1">
               <a:rPr lang="ko-KR" altLang="en-US" smtClean="0"/>
-              <a:t>2020-07-30</a:t>
+              <a:t>2020-08-06</a:t>
             </a:fld>
             <a:endParaRPr lang="en-US" dirty="0"/>
           </a:p>
@@ -4029,7 +4114,7 @@
           <a:p>
             <a:fld id="{656F2C6D-FC37-47FB-B402-A12520905120}" type="datetime1">
               <a:rPr lang="ko-KR" altLang="en-US" smtClean="0"/>
-              <a:t>2020-07-30</a:t>
+              <a:t>2020-08-06</a:t>
             </a:fld>
             <a:endParaRPr lang="en-US" dirty="0"/>
           </a:p>
@@ -4316,7 +4401,7 @@
           <a:p>
             <a:fld id="{015153FF-8FFB-4E75-A16B-25F1A7463DEA}" type="datetime1">
               <a:rPr lang="ko-KR" altLang="en-US" smtClean="0"/>
-              <a:t>2020-07-30</a:t>
+              <a:t>2020-08-06</a:t>
             </a:fld>
             <a:endParaRPr lang="en-US" dirty="0"/>
           </a:p>
@@ -4588,7 +4673,7 @@
           <a:p>
             <a:fld id="{12C47210-FAC3-4736-8D59-AA451CFF2A28}" type="datetime1">
               <a:rPr lang="ko-KR" altLang="en-US" smtClean="0"/>
-              <a:t>2020-07-30</a:t>
+              <a:t>2020-08-06</a:t>
             </a:fld>
             <a:endParaRPr lang="en-US" dirty="0"/>
           </a:p>
@@ -4848,7 +4933,7 @@
           <a:p>
             <a:fld id="{2AC242A7-4D2C-47B3-9BF6-8CA1B0F288E2}" type="datetime1">
               <a:rPr lang="ko-KR" altLang="en-US" smtClean="0"/>
-              <a:t>2020-07-30</a:t>
+              <a:t>2020-08-06</a:t>
             </a:fld>
             <a:endParaRPr lang="en-US" dirty="0"/>
           </a:p>
@@ -5669,7 +5754,7 @@
           <a:p>
             <a:fld id="{31CB442F-44B4-4C18-BCAD-5D1C59424957}" type="datetime1">
               <a:rPr lang="ko-KR" altLang="en-US" smtClean="0"/>
-              <a:t>2020-07-30</a:t>
+              <a:t>2020-08-06</a:t>
             </a:fld>
             <a:endParaRPr lang="en-US" dirty="0"/>
           </a:p>
@@ -5782,7 +5867,15 @@
             </a:pPr>
             <a:r>
               <a:rPr lang="ko-KR" altLang="en-US" sz="2400" dirty="0"/>
-              <a:t>전체적으로 직진의 비율이 높아서 정확도 자체는 높으나 각 상태 별 정확도는 직진을 제외하고 매우 낮음</a:t>
+              <a:t>전체적으로 직진의 비율이 높아서 정확도 자체는 높으나 각 상태 별 정확도는 직진을 제외하고 매우 낮음 특히 스티어링 </a:t>
+            </a:r>
+            <a:r>
+              <a:rPr lang="ko-KR" altLang="en-US" sz="2400" dirty="0" err="1"/>
+              <a:t>휠의</a:t>
+            </a:r>
+            <a:r>
+              <a:rPr lang="ko-KR" altLang="en-US" sz="2400" dirty="0"/>
+              <a:t> 회전이 크지 않은 차선  변경을 거의 인식 하지 못함</a:t>
             </a:r>
             <a:endParaRPr lang="en-US" altLang="ko-KR" sz="2400" dirty="0"/>
           </a:p>
@@ -5793,20 +5886,60 @@
               </a:spcBef>
             </a:pPr>
             <a:r>
+              <a:rPr lang="ko-KR" altLang="en-US" sz="2400" dirty="0"/>
+              <a:t>특히 </a:t>
+            </a:r>
+            <a:r>
               <a:rPr lang="en-US" altLang="ko-KR" sz="2400" dirty="0"/>
-              <a:t>DNN </a:t>
+              <a:t>DNN</a:t>
             </a:r>
             <a:r>
               <a:rPr lang="ko-KR" altLang="en-US" sz="2400" dirty="0"/>
-              <a:t>모델의 경우 좌측</a:t>
+              <a:t>모델 보다 </a:t>
             </a:r>
             <a:r>
               <a:rPr lang="en-US" altLang="ko-KR" sz="2400" dirty="0"/>
-              <a:t>, </a:t>
+              <a:t>CNN </a:t>
             </a:r>
             <a:r>
               <a:rPr lang="ko-KR" altLang="en-US" sz="2400" dirty="0"/>
-              <a:t>우측 차선 변경을 전혀 예측하지 못함</a:t>
+              <a:t>모델에서 차선변경의 인식률이 낮은 경향을 보임</a:t>
+            </a:r>
+            <a:endParaRPr lang="en-US" altLang="ko-KR" sz="2400" dirty="0"/>
+          </a:p>
+          <a:p>
+            <a:pPr>
+              <a:spcBef>
+                <a:spcPts val="2400"/>
+              </a:spcBef>
+            </a:pPr>
+            <a:r>
+              <a:rPr lang="ko-KR" altLang="en-US" sz="2400" dirty="0"/>
+              <a:t>학습데이터를 </a:t>
+            </a:r>
+            <a:r>
+              <a:rPr lang="en-US" altLang="ko-KR" sz="2400" dirty="0"/>
+              <a:t>Shuffle</a:t>
+            </a:r>
+            <a:r>
+              <a:rPr lang="ko-KR" altLang="en-US" sz="2400" dirty="0"/>
+              <a:t>할 경우</a:t>
+            </a:r>
+            <a:r>
+              <a:rPr lang="en-US" altLang="ko-KR" sz="2400" dirty="0"/>
+              <a:t>, CNN</a:t>
+            </a:r>
+            <a:r>
+              <a:rPr lang="ko-KR" altLang="en-US" sz="2400" dirty="0"/>
+              <a:t>모델은 예측 정확도가 상승하였지만</a:t>
+            </a:r>
+            <a:r>
+              <a:rPr lang="en-US" altLang="ko-KR" sz="2400" dirty="0"/>
+              <a:t>, DNN</a:t>
+            </a:r>
+            <a:r>
+              <a:rPr lang="ko-KR" altLang="en-US" sz="2400" dirty="0"/>
+              <a:t>의 경우는 오히려 하락하는 모습을 보임</a:t>
             </a:r>
             <a:endParaRPr lang="en-US" altLang="ko-KR" sz="2400" dirty="0"/>
           </a:p>
@@ -5878,7 +6011,7 @@
           <a:p>
             <a:fld id="{835A3A55-8703-4404-B685-585B47BF8635}" type="datetime1">
               <a:rPr lang="ko-KR" altLang="en-US" smtClean="0"/>
-              <a:t>2020-07-30</a:t>
+              <a:t>2020-08-06</a:t>
             </a:fld>
             <a:endParaRPr lang="en-US" dirty="0"/>
           </a:p>
@@ -6083,6 +6216,2198 @@
           <p:cNvPr id="2" name="제목 1">
             <a:extLst>
               <a:ext uri="{FF2B5EF4-FFF2-40B4-BE49-F238E27FC236}">
+                <a16:creationId xmlns:a16="http://schemas.microsoft.com/office/drawing/2014/main" id="{DCF95126-78F4-44B0-AA86-107F55589E24}"/>
+              </a:ext>
+            </a:extLst>
+          </p:cNvPr>
+          <p:cNvSpPr>
+            <a:spLocks noGrp="1"/>
+          </p:cNvSpPr>
+          <p:nvPr>
+            <p:ph type="title"/>
+          </p:nvPr>
+        </p:nvSpPr>
+        <p:spPr/>
+        <p:txBody>
+          <a:bodyPr>
+            <a:noAutofit/>
+          </a:bodyPr>
+          <a:lstStyle/>
+          <a:p>
+            <a:pPr algn="ctr"/>
+            <a:r>
+              <a:rPr lang="ko-KR" altLang="en-US" sz="3200" b="1" dirty="0"/>
+              <a:t>개발기술개요</a:t>
+            </a:r>
+          </a:p>
+        </p:txBody>
+      </p:sp>
+      <p:sp>
+        <p:nvSpPr>
+          <p:cNvPr id="5" name="슬라이드 번호 개체 틀 4">
+            <a:extLst>
+              <a:ext uri="{FF2B5EF4-FFF2-40B4-BE49-F238E27FC236}">
+                <a16:creationId xmlns:a16="http://schemas.microsoft.com/office/drawing/2014/main" id="{697479EF-A19F-4427-84A0-1ED090411FD0}"/>
+              </a:ext>
+            </a:extLst>
+          </p:cNvPr>
+          <p:cNvSpPr>
+            <a:spLocks noGrp="1"/>
+          </p:cNvSpPr>
+          <p:nvPr>
+            <p:ph type="sldNum" sz="quarter" idx="12"/>
+          </p:nvPr>
+        </p:nvSpPr>
+        <p:spPr/>
+        <p:txBody>
+          <a:bodyPr/>
+          <a:lstStyle/>
+          <a:p>
+            <a:fld id="{4FAB73BC-B049-4115-A692-8D63A059BFB8}" type="slidenum">
+              <a:rPr lang="en-US" smtClean="0"/>
+              <a:pPr/>
+              <a:t>11</a:t>
+            </a:fld>
+            <a:endParaRPr lang="en-US" dirty="0"/>
+          </a:p>
+        </p:txBody>
+      </p:sp>
+      <p:sp>
+        <p:nvSpPr>
+          <p:cNvPr id="4" name="날짜 개체 틀 3">
+            <a:extLst>
+              <a:ext uri="{FF2B5EF4-FFF2-40B4-BE49-F238E27FC236}">
+                <a16:creationId xmlns:a16="http://schemas.microsoft.com/office/drawing/2014/main" id="{97905E41-4DA2-442F-8CC2-64E7A53076B1}"/>
+              </a:ext>
+            </a:extLst>
+          </p:cNvPr>
+          <p:cNvSpPr>
+            <a:spLocks noGrp="1"/>
+          </p:cNvSpPr>
+          <p:nvPr>
+            <p:ph type="dt" sz="half" idx="10"/>
+          </p:nvPr>
+        </p:nvSpPr>
+        <p:spPr>
+          <a:xfrm>
+            <a:off x="0" y="6492875"/>
+            <a:ext cx="2743200" cy="365125"/>
+          </a:xfrm>
+        </p:spPr>
+        <p:txBody>
+          <a:bodyPr/>
+          <a:lstStyle/>
+          <a:p>
+            <a:fld id="{793FA439-1AF0-4114-85D0-94817C2CD7F4}" type="datetime1">
+              <a:rPr lang="ko-KR" altLang="en-US" smtClean="0"/>
+              <a:t>2020-08-06</a:t>
+            </a:fld>
+            <a:endParaRPr lang="en-US" dirty="0"/>
+          </a:p>
+        </p:txBody>
+      </p:sp>
+      <p:sp>
+        <p:nvSpPr>
+          <p:cNvPr id="6" name="바닥글 개체 틀 3">
+            <a:extLst>
+              <a:ext uri="{FF2B5EF4-FFF2-40B4-BE49-F238E27FC236}">
+                <a16:creationId xmlns:a16="http://schemas.microsoft.com/office/drawing/2014/main" id="{29675F6E-AB95-42A8-B21F-DF220282D235}"/>
+              </a:ext>
+            </a:extLst>
+          </p:cNvPr>
+          <p:cNvSpPr txBox="1">
+            <a:spLocks/>
+          </p:cNvSpPr>
+          <p:nvPr/>
+        </p:nvSpPr>
+        <p:spPr>
+          <a:xfrm>
+            <a:off x="3140241" y="150043"/>
+            <a:ext cx="5911517" cy="365125"/>
+          </a:xfrm>
+          <a:prstGeom prst="rect">
+            <a:avLst/>
+          </a:prstGeom>
+        </p:spPr>
+        <p:txBody>
+          <a:bodyPr vert="horz" lIns="91440" tIns="45720" rIns="91440" bIns="45720" rtlCol="0" anchor="ctr"/>
+          <a:lstStyle>
+            <a:defPPr>
+              <a:defRPr lang="en-US"/>
+            </a:defPPr>
+            <a:lvl1pPr marL="0" algn="l" defTabSz="457200" rtl="0" eaLnBrk="1" latinLnBrk="0" hangingPunct="1">
+              <a:defRPr sz="1100" kern="1200">
+                <a:solidFill>
+                  <a:schemeClr val="tx1">
+                    <a:lumMod val="50000"/>
+                    <a:lumOff val="50000"/>
+                  </a:schemeClr>
+                </a:solidFill>
+                <a:latin typeface="+mn-lt"/>
+                <a:ea typeface="+mn-ea"/>
+                <a:cs typeface="+mn-cs"/>
+              </a:defRPr>
+            </a:lvl1pPr>
+            <a:lvl2pPr marL="457200" algn="l" defTabSz="457200" rtl="0" eaLnBrk="1" latinLnBrk="0" hangingPunct="1">
+              <a:defRPr sz="1800" kern="1200">
+                <a:solidFill>
+                  <a:schemeClr val="tx1"/>
+                </a:solidFill>
+                <a:latin typeface="+mn-lt"/>
+                <a:ea typeface="+mn-ea"/>
+                <a:cs typeface="+mn-cs"/>
+              </a:defRPr>
+            </a:lvl2pPr>
+            <a:lvl3pPr marL="914400" algn="l" defTabSz="457200" rtl="0" eaLnBrk="1" latinLnBrk="0" hangingPunct="1">
+              <a:defRPr sz="1800" kern="1200">
+                <a:solidFill>
+                  <a:schemeClr val="tx1"/>
+                </a:solidFill>
+                <a:latin typeface="+mn-lt"/>
+                <a:ea typeface="+mn-ea"/>
+                <a:cs typeface="+mn-cs"/>
+              </a:defRPr>
+            </a:lvl3pPr>
+            <a:lvl4pPr marL="1371600" algn="l" defTabSz="457200" rtl="0" eaLnBrk="1" latinLnBrk="0" hangingPunct="1">
+              <a:defRPr sz="1800" kern="1200">
+                <a:solidFill>
+                  <a:schemeClr val="tx1"/>
+                </a:solidFill>
+                <a:latin typeface="+mn-lt"/>
+                <a:ea typeface="+mn-ea"/>
+                <a:cs typeface="+mn-cs"/>
+              </a:defRPr>
+            </a:lvl4pPr>
+            <a:lvl5pPr marL="1828800" algn="l" defTabSz="457200" rtl="0" eaLnBrk="1" latinLnBrk="0" hangingPunct="1">
+              <a:defRPr sz="1800" kern="1200">
+                <a:solidFill>
+                  <a:schemeClr val="tx1"/>
+                </a:solidFill>
+                <a:latin typeface="+mn-lt"/>
+                <a:ea typeface="+mn-ea"/>
+                <a:cs typeface="+mn-cs"/>
+              </a:defRPr>
+            </a:lvl5pPr>
+            <a:lvl6pPr marL="2286000" algn="l" defTabSz="457200" rtl="0" eaLnBrk="1" latinLnBrk="0" hangingPunct="1">
+              <a:defRPr sz="1800" kern="1200">
+                <a:solidFill>
+                  <a:schemeClr val="tx1"/>
+                </a:solidFill>
+                <a:latin typeface="+mn-lt"/>
+                <a:ea typeface="+mn-ea"/>
+                <a:cs typeface="+mn-cs"/>
+              </a:defRPr>
+            </a:lvl6pPr>
+            <a:lvl7pPr marL="2743200" algn="l" defTabSz="457200" rtl="0" eaLnBrk="1" latinLnBrk="0" hangingPunct="1">
+              <a:defRPr sz="1800" kern="1200">
+                <a:solidFill>
+                  <a:schemeClr val="tx1"/>
+                </a:solidFill>
+                <a:latin typeface="+mn-lt"/>
+                <a:ea typeface="+mn-ea"/>
+                <a:cs typeface="+mn-cs"/>
+              </a:defRPr>
+            </a:lvl7pPr>
+            <a:lvl8pPr marL="3200400" algn="l" defTabSz="457200" rtl="0" eaLnBrk="1" latinLnBrk="0" hangingPunct="1">
+              <a:defRPr sz="1800" kern="1200">
+                <a:solidFill>
+                  <a:schemeClr val="tx1"/>
+                </a:solidFill>
+                <a:latin typeface="+mn-lt"/>
+                <a:ea typeface="+mn-ea"/>
+                <a:cs typeface="+mn-cs"/>
+              </a:defRPr>
+            </a:lvl8pPr>
+            <a:lvl9pPr marL="3657600" algn="l" defTabSz="457200" rtl="0" eaLnBrk="1" latinLnBrk="0" hangingPunct="1">
+              <a:defRPr sz="1800" kern="1200">
+                <a:solidFill>
+                  <a:schemeClr val="tx1"/>
+                </a:solidFill>
+                <a:latin typeface="+mn-lt"/>
+                <a:ea typeface="+mn-ea"/>
+                <a:cs typeface="+mn-cs"/>
+              </a:defRPr>
+            </a:lvl9pPr>
+          </a:lstStyle>
+          <a:p>
+            <a:pPr algn="ctr"/>
+            <a:r>
+              <a:rPr lang="en-US" altLang="ko-KR" dirty="0"/>
+              <a:t>2020 </a:t>
+            </a:r>
+            <a:r>
+              <a:rPr lang="ko-KR" altLang="en-US" dirty="0"/>
+              <a:t>전기 졸업과제 팀 </a:t>
+            </a:r>
+            <a:r>
+              <a:rPr lang="en-US" altLang="ko-KR" dirty="0"/>
+              <a:t>38(ESLAB 2</a:t>
+            </a:r>
+            <a:r>
+              <a:rPr lang="ko-KR" altLang="en-US" dirty="0"/>
+              <a:t>조</a:t>
+            </a:r>
+            <a:r>
+              <a:rPr lang="en-US" altLang="ko-KR" dirty="0"/>
+              <a:t>)</a:t>
+            </a:r>
+          </a:p>
+          <a:p>
+            <a:pPr algn="ctr"/>
+            <a:r>
+              <a:rPr lang="en-US" altLang="ko-KR" dirty="0"/>
+              <a:t>[</a:t>
+            </a:r>
+            <a:r>
+              <a:rPr lang="ko-KR" altLang="en-US" dirty="0"/>
+              <a:t>여기에 팀 이름 입력</a:t>
+            </a:r>
+            <a:r>
+              <a:rPr lang="en-US" altLang="ko-KR" dirty="0"/>
+              <a:t>]</a:t>
+            </a:r>
+            <a:endParaRPr lang="en-US" dirty="0"/>
+          </a:p>
+        </p:txBody>
+      </p:sp>
+      <p:sp>
+        <p:nvSpPr>
+          <p:cNvPr id="8" name="직사각형 7"/>
+          <p:cNvSpPr/>
+          <p:nvPr/>
+        </p:nvSpPr>
+        <p:spPr>
+          <a:xfrm>
+            <a:off x="1503565" y="3880437"/>
+            <a:ext cx="1800000" cy="1080000"/>
+          </a:xfrm>
+          <a:prstGeom prst="rect">
+            <a:avLst/>
+          </a:prstGeom>
+          <a:solidFill>
+            <a:srgbClr val="F2F2F2"/>
+          </a:solidFill>
+          <a:ln>
+            <a:solidFill>
+              <a:schemeClr val="tx1"/>
+            </a:solidFill>
+          </a:ln>
+        </p:spPr>
+        <p:style>
+          <a:lnRef idx="2">
+            <a:schemeClr val="accent1">
+              <a:shade val="50000"/>
+            </a:schemeClr>
+          </a:lnRef>
+          <a:fillRef idx="1">
+            <a:schemeClr val="accent1"/>
+          </a:fillRef>
+          <a:effectRef idx="0">
+            <a:schemeClr val="accent1"/>
+          </a:effectRef>
+          <a:fontRef idx="minor">
+            <a:schemeClr val="lt1"/>
+          </a:fontRef>
+        </p:style>
+        <p:txBody>
+          <a:bodyPr lIns="36000" tIns="36000" rIns="36000" bIns="36000" rtlCol="0" anchor="ctr"/>
+          <a:lstStyle/>
+          <a:p>
+            <a:pPr algn="ctr">
+              <a:lnSpc>
+                <a:spcPct val="120000"/>
+              </a:lnSpc>
+            </a:pPr>
+            <a:r>
+              <a:rPr lang="en-US" altLang="ko-KR" sz="1600" dirty="0">
+                <a:solidFill>
+                  <a:schemeClr val="tx1"/>
+                </a:solidFill>
+              </a:rPr>
+              <a:t>Sim data</a:t>
+            </a:r>
+          </a:p>
+          <a:p>
+            <a:pPr algn="ctr">
+              <a:lnSpc>
+                <a:spcPct val="120000"/>
+              </a:lnSpc>
+            </a:pPr>
+            <a:r>
+              <a:rPr lang="en-US" altLang="ko-KR" sz="1200" dirty="0">
+                <a:solidFill>
+                  <a:schemeClr val="tx1"/>
+                </a:solidFill>
+              </a:rPr>
+              <a:t>2 .Vehicle motion sim data</a:t>
+            </a:r>
+            <a:endParaRPr lang="ko-KR" altLang="en-US" sz="1200" dirty="0">
+              <a:solidFill>
+                <a:schemeClr val="tx1"/>
+              </a:solidFill>
+            </a:endParaRPr>
+          </a:p>
+          <a:p>
+            <a:pPr algn="ctr">
+              <a:lnSpc>
+                <a:spcPct val="120000"/>
+              </a:lnSpc>
+            </a:pPr>
+            <a:r>
+              <a:rPr lang="en-US" altLang="ko-KR" sz="1200" dirty="0">
+                <a:solidFill>
+                  <a:schemeClr val="tx1"/>
+                </a:solidFill>
+              </a:rPr>
+              <a:t>3. Drowsy sim data</a:t>
+            </a:r>
+          </a:p>
+        </p:txBody>
+      </p:sp>
+      <p:sp>
+        <p:nvSpPr>
+          <p:cNvPr id="9" name="직사각형 8"/>
+          <p:cNvSpPr/>
+          <p:nvPr/>
+        </p:nvSpPr>
+        <p:spPr>
+          <a:xfrm>
+            <a:off x="1503564" y="2799259"/>
+            <a:ext cx="1799436" cy="720000"/>
+          </a:xfrm>
+          <a:prstGeom prst="rect">
+            <a:avLst/>
+          </a:prstGeom>
+          <a:solidFill>
+            <a:srgbClr val="F2F2F2"/>
+          </a:solidFill>
+          <a:ln>
+            <a:solidFill>
+              <a:schemeClr val="tx1"/>
+            </a:solidFill>
+          </a:ln>
+        </p:spPr>
+        <p:style>
+          <a:lnRef idx="2">
+            <a:schemeClr val="accent1">
+              <a:shade val="50000"/>
+            </a:schemeClr>
+          </a:lnRef>
+          <a:fillRef idx="1">
+            <a:schemeClr val="accent1"/>
+          </a:fillRef>
+          <a:effectRef idx="0">
+            <a:schemeClr val="accent1"/>
+          </a:effectRef>
+          <a:fontRef idx="minor">
+            <a:schemeClr val="lt1"/>
+          </a:fontRef>
+        </p:style>
+        <p:txBody>
+          <a:bodyPr lIns="36000" tIns="36000" rIns="36000" bIns="36000" rtlCol="0" anchor="ctr"/>
+          <a:lstStyle/>
+          <a:p>
+            <a:pPr algn="ctr">
+              <a:lnSpc>
+                <a:spcPct val="120000"/>
+              </a:lnSpc>
+            </a:pPr>
+            <a:r>
+              <a:rPr lang="en-US" altLang="ko-KR" sz="1600" dirty="0">
+                <a:solidFill>
+                  <a:schemeClr val="tx1"/>
+                </a:solidFill>
+              </a:rPr>
+              <a:t>Real data</a:t>
+            </a:r>
+          </a:p>
+          <a:p>
+            <a:pPr algn="ctr">
+              <a:lnSpc>
+                <a:spcPct val="120000"/>
+              </a:lnSpc>
+            </a:pPr>
+            <a:r>
+              <a:rPr lang="en-US" altLang="ko-KR" sz="1200" dirty="0">
+                <a:solidFill>
+                  <a:schemeClr val="tx1"/>
+                </a:solidFill>
+              </a:rPr>
+              <a:t>1. Vehicle motion OBD data</a:t>
+            </a:r>
+            <a:endParaRPr lang="ko-KR" altLang="en-US" sz="1200" dirty="0">
+              <a:solidFill>
+                <a:schemeClr val="tx1"/>
+              </a:solidFill>
+            </a:endParaRPr>
+          </a:p>
+        </p:txBody>
+      </p:sp>
+      <p:sp>
+        <p:nvSpPr>
+          <p:cNvPr id="10" name="직사각형 9"/>
+          <p:cNvSpPr/>
+          <p:nvPr/>
+        </p:nvSpPr>
+        <p:spPr>
+          <a:xfrm>
+            <a:off x="3657286" y="3872686"/>
+            <a:ext cx="1079957" cy="2161179"/>
+          </a:xfrm>
+          <a:prstGeom prst="rect">
+            <a:avLst/>
+          </a:prstGeom>
+          <a:solidFill>
+            <a:srgbClr val="FEB3A4"/>
+          </a:solidFill>
+          <a:ln>
+            <a:solidFill>
+              <a:schemeClr val="tx1"/>
+            </a:solidFill>
+          </a:ln>
+        </p:spPr>
+        <p:style>
+          <a:lnRef idx="2">
+            <a:schemeClr val="accent1">
+              <a:shade val="50000"/>
+            </a:schemeClr>
+          </a:lnRef>
+          <a:fillRef idx="1">
+            <a:schemeClr val="accent1"/>
+          </a:fillRef>
+          <a:effectRef idx="0">
+            <a:schemeClr val="accent1"/>
+          </a:effectRef>
+          <a:fontRef idx="minor">
+            <a:schemeClr val="lt1"/>
+          </a:fontRef>
+        </p:style>
+        <p:txBody>
+          <a:bodyPr lIns="36000" tIns="36000" rIns="36000" bIns="36000" rtlCol="0" anchor="ctr"/>
+          <a:lstStyle/>
+          <a:p>
+            <a:pPr algn="ctr">
+              <a:lnSpc>
+                <a:spcPct val="120000"/>
+              </a:lnSpc>
+            </a:pPr>
+            <a:r>
+              <a:rPr lang="en-US" altLang="ko-KR" sz="1600" dirty="0">
+                <a:solidFill>
+                  <a:schemeClr val="tx1"/>
+                </a:solidFill>
+              </a:rPr>
+              <a:t>Adaptation</a:t>
+            </a:r>
+          </a:p>
+          <a:p>
+            <a:pPr algn="ctr">
+              <a:lnSpc>
+                <a:spcPct val="120000"/>
+              </a:lnSpc>
+            </a:pPr>
+            <a:r>
+              <a:rPr lang="en-US" altLang="ko-KR" sz="1600" dirty="0">
+                <a:solidFill>
+                  <a:schemeClr val="tx1"/>
+                </a:solidFill>
+              </a:rPr>
+              <a:t>Matching</a:t>
+            </a:r>
+          </a:p>
+          <a:p>
+            <a:pPr algn="ctr">
+              <a:lnSpc>
+                <a:spcPct val="120000"/>
+              </a:lnSpc>
+            </a:pPr>
+            <a:r>
+              <a:rPr lang="en-US" altLang="ko-KR" sz="1600" dirty="0">
+                <a:solidFill>
+                  <a:schemeClr val="tx1"/>
+                </a:solidFill>
+              </a:rPr>
+              <a:t>…</a:t>
+            </a:r>
+            <a:endParaRPr lang="en-US" altLang="ko-KR" sz="1200" dirty="0">
+              <a:solidFill>
+                <a:schemeClr val="tx1"/>
+              </a:solidFill>
+            </a:endParaRPr>
+          </a:p>
+        </p:txBody>
+      </p:sp>
+      <p:sp>
+        <p:nvSpPr>
+          <p:cNvPr id="11" name="직사각형 10"/>
+          <p:cNvSpPr/>
+          <p:nvPr/>
+        </p:nvSpPr>
+        <p:spPr>
+          <a:xfrm>
+            <a:off x="5107132" y="3872685"/>
+            <a:ext cx="1800053" cy="2171833"/>
+          </a:xfrm>
+          <a:prstGeom prst="rect">
+            <a:avLst/>
+          </a:prstGeom>
+          <a:solidFill>
+            <a:srgbClr val="FEB3A4"/>
+          </a:solidFill>
+          <a:ln>
+            <a:solidFill>
+              <a:schemeClr val="tx1"/>
+            </a:solidFill>
+          </a:ln>
+        </p:spPr>
+        <p:style>
+          <a:lnRef idx="2">
+            <a:schemeClr val="accent1">
+              <a:shade val="50000"/>
+            </a:schemeClr>
+          </a:lnRef>
+          <a:fillRef idx="1">
+            <a:schemeClr val="accent1"/>
+          </a:fillRef>
+          <a:effectRef idx="0">
+            <a:schemeClr val="accent1"/>
+          </a:effectRef>
+          <a:fontRef idx="minor">
+            <a:schemeClr val="lt1"/>
+          </a:fontRef>
+        </p:style>
+        <p:txBody>
+          <a:bodyPr lIns="36000" tIns="36000" rIns="36000" bIns="36000" rtlCol="0" anchor="ctr"/>
+          <a:lstStyle/>
+          <a:p>
+            <a:pPr algn="ctr">
+              <a:lnSpc>
+                <a:spcPct val="120000"/>
+              </a:lnSpc>
+            </a:pPr>
+            <a:r>
+              <a:rPr lang="en-US" altLang="ko-KR" sz="1600" dirty="0">
+                <a:solidFill>
+                  <a:schemeClr val="tx1"/>
+                </a:solidFill>
+              </a:rPr>
+              <a:t>Feature extractor</a:t>
+            </a:r>
+          </a:p>
+          <a:p>
+            <a:pPr algn="ctr">
+              <a:lnSpc>
+                <a:spcPct val="120000"/>
+              </a:lnSpc>
+            </a:pPr>
+            <a:r>
+              <a:rPr lang="en-US" altLang="ko-KR" sz="1600" dirty="0">
+                <a:solidFill>
+                  <a:schemeClr val="tx1"/>
+                </a:solidFill>
+              </a:rPr>
+              <a:t>for sim and real</a:t>
+            </a:r>
+            <a:endParaRPr lang="en-US" altLang="ko-KR" sz="1200" dirty="0">
+              <a:solidFill>
+                <a:schemeClr val="tx1"/>
+              </a:solidFill>
+            </a:endParaRPr>
+          </a:p>
+        </p:txBody>
+      </p:sp>
+      <p:sp>
+        <p:nvSpPr>
+          <p:cNvPr id="12" name="직사각형 11"/>
+          <p:cNvSpPr/>
+          <p:nvPr/>
+        </p:nvSpPr>
+        <p:spPr>
+          <a:xfrm>
+            <a:off x="7267228" y="3872684"/>
+            <a:ext cx="1439024" cy="1081178"/>
+          </a:xfrm>
+          <a:prstGeom prst="rect">
+            <a:avLst/>
+          </a:prstGeom>
+          <a:solidFill>
+            <a:srgbClr val="E2F0D9"/>
+          </a:solidFill>
+          <a:ln>
+            <a:solidFill>
+              <a:schemeClr val="tx1"/>
+            </a:solidFill>
+          </a:ln>
+        </p:spPr>
+        <p:style>
+          <a:lnRef idx="2">
+            <a:schemeClr val="accent1">
+              <a:shade val="50000"/>
+            </a:schemeClr>
+          </a:lnRef>
+          <a:fillRef idx="1">
+            <a:schemeClr val="accent1"/>
+          </a:fillRef>
+          <a:effectRef idx="0">
+            <a:schemeClr val="accent1"/>
+          </a:effectRef>
+          <a:fontRef idx="minor">
+            <a:schemeClr val="lt1"/>
+          </a:fontRef>
+        </p:style>
+        <p:txBody>
+          <a:bodyPr lIns="36000" tIns="36000" rIns="36000" bIns="36000" rtlCol="0" anchor="ctr"/>
+          <a:lstStyle/>
+          <a:p>
+            <a:pPr algn="ctr">
+              <a:lnSpc>
+                <a:spcPct val="120000"/>
+              </a:lnSpc>
+            </a:pPr>
+            <a:r>
+              <a:rPr lang="en-US" altLang="ko-KR" sz="1600" dirty="0">
+                <a:solidFill>
+                  <a:schemeClr val="tx1"/>
+                </a:solidFill>
+              </a:rPr>
+              <a:t>Classifier 1</a:t>
+            </a:r>
+          </a:p>
+          <a:p>
+            <a:pPr algn="ctr">
+              <a:lnSpc>
+                <a:spcPct val="120000"/>
+              </a:lnSpc>
+            </a:pPr>
+            <a:r>
+              <a:rPr lang="en-US" altLang="ko-KR" sz="1600" dirty="0">
+                <a:solidFill>
+                  <a:schemeClr val="tx1"/>
+                </a:solidFill>
+              </a:rPr>
+              <a:t> </a:t>
+            </a:r>
+            <a:r>
+              <a:rPr lang="en-US" altLang="ko-KR" sz="1200" dirty="0">
+                <a:solidFill>
+                  <a:schemeClr val="tx1"/>
+                </a:solidFill>
+              </a:rPr>
+              <a:t>for vehicle motion</a:t>
+            </a:r>
+            <a:endParaRPr lang="ko-KR" altLang="en-US" sz="1050" dirty="0">
+              <a:solidFill>
+                <a:schemeClr val="tx1"/>
+              </a:solidFill>
+            </a:endParaRPr>
+          </a:p>
+        </p:txBody>
+      </p:sp>
+      <p:sp>
+        <p:nvSpPr>
+          <p:cNvPr id="13" name="직사각형 12"/>
+          <p:cNvSpPr/>
+          <p:nvPr/>
+        </p:nvSpPr>
+        <p:spPr>
+          <a:xfrm>
+            <a:off x="7267228" y="5315902"/>
+            <a:ext cx="1439024" cy="720000"/>
+          </a:xfrm>
+          <a:prstGeom prst="rect">
+            <a:avLst/>
+          </a:prstGeom>
+          <a:solidFill>
+            <a:srgbClr val="DEEBF7"/>
+          </a:solidFill>
+          <a:ln>
+            <a:solidFill>
+              <a:schemeClr val="tx1"/>
+            </a:solidFill>
+          </a:ln>
+        </p:spPr>
+        <p:style>
+          <a:lnRef idx="2">
+            <a:schemeClr val="accent1">
+              <a:shade val="50000"/>
+            </a:schemeClr>
+          </a:lnRef>
+          <a:fillRef idx="1">
+            <a:schemeClr val="accent1"/>
+          </a:fillRef>
+          <a:effectRef idx="0">
+            <a:schemeClr val="accent1"/>
+          </a:effectRef>
+          <a:fontRef idx="minor">
+            <a:schemeClr val="lt1"/>
+          </a:fontRef>
+        </p:style>
+        <p:txBody>
+          <a:bodyPr lIns="36000" tIns="36000" rIns="36000" bIns="36000" rtlCol="0" anchor="ctr"/>
+          <a:lstStyle/>
+          <a:p>
+            <a:pPr algn="ctr">
+              <a:lnSpc>
+                <a:spcPct val="120000"/>
+              </a:lnSpc>
+            </a:pPr>
+            <a:r>
+              <a:rPr lang="en-US" altLang="ko-KR" sz="1600" dirty="0">
+                <a:solidFill>
+                  <a:schemeClr val="tx1"/>
+                </a:solidFill>
+              </a:rPr>
+              <a:t>Classifier 2</a:t>
+            </a:r>
+          </a:p>
+          <a:p>
+            <a:pPr algn="ctr">
+              <a:lnSpc>
+                <a:spcPct val="120000"/>
+              </a:lnSpc>
+            </a:pPr>
+            <a:r>
+              <a:rPr lang="en-US" altLang="ko-KR" sz="1200" dirty="0">
+                <a:solidFill>
+                  <a:schemeClr val="tx1"/>
+                </a:solidFill>
+              </a:rPr>
+              <a:t>for drowsy</a:t>
+            </a:r>
+            <a:endParaRPr lang="ko-KR" altLang="en-US" sz="1050" dirty="0">
+              <a:solidFill>
+                <a:schemeClr val="tx1"/>
+              </a:solidFill>
+            </a:endParaRPr>
+          </a:p>
+        </p:txBody>
+      </p:sp>
+      <p:sp>
+        <p:nvSpPr>
+          <p:cNvPr id="17" name="직사각형 16"/>
+          <p:cNvSpPr/>
+          <p:nvPr/>
+        </p:nvSpPr>
+        <p:spPr>
+          <a:xfrm>
+            <a:off x="10456183" y="3883362"/>
+            <a:ext cx="1076335" cy="1081178"/>
+          </a:xfrm>
+          <a:prstGeom prst="rect">
+            <a:avLst/>
+          </a:prstGeom>
+          <a:solidFill>
+            <a:srgbClr val="FFF2CC"/>
+          </a:solidFill>
+          <a:ln>
+            <a:solidFill>
+              <a:schemeClr val="tx1"/>
+            </a:solidFill>
+          </a:ln>
+        </p:spPr>
+        <p:style>
+          <a:lnRef idx="2">
+            <a:schemeClr val="accent1">
+              <a:shade val="50000"/>
+            </a:schemeClr>
+          </a:lnRef>
+          <a:fillRef idx="1">
+            <a:schemeClr val="accent1"/>
+          </a:fillRef>
+          <a:effectRef idx="0">
+            <a:schemeClr val="accent1"/>
+          </a:effectRef>
+          <a:fontRef idx="minor">
+            <a:schemeClr val="lt1"/>
+          </a:fontRef>
+        </p:style>
+        <p:txBody>
+          <a:bodyPr lIns="36000" tIns="36000" rIns="36000" bIns="36000" rtlCol="0" anchor="ctr"/>
+          <a:lstStyle/>
+          <a:p>
+            <a:pPr algn="ctr">
+              <a:lnSpc>
+                <a:spcPct val="120000"/>
+              </a:lnSpc>
+            </a:pPr>
+            <a:r>
+              <a:rPr lang="en-US" altLang="ko-KR" sz="1200" dirty="0">
+                <a:solidFill>
+                  <a:schemeClr val="tx1"/>
+                </a:solidFill>
+              </a:rPr>
+              <a:t>-  Accuracy on real data</a:t>
+            </a:r>
+          </a:p>
+          <a:p>
+            <a:pPr algn="ctr">
+              <a:lnSpc>
+                <a:spcPct val="120000"/>
+              </a:lnSpc>
+            </a:pPr>
+            <a:r>
+              <a:rPr lang="en-US" altLang="ko-KR" sz="1200" dirty="0">
+                <a:solidFill>
+                  <a:schemeClr val="tx1"/>
+                </a:solidFill>
+              </a:rPr>
+              <a:t>- Discrepancy of sim and real</a:t>
+            </a:r>
+            <a:r>
+              <a:rPr lang="en-US" altLang="ko-KR" sz="900" dirty="0">
+                <a:solidFill>
+                  <a:schemeClr val="tx1"/>
+                </a:solidFill>
+              </a:rPr>
+              <a:t> </a:t>
+            </a:r>
+            <a:endParaRPr lang="ko-KR" altLang="en-US" sz="900" dirty="0">
+              <a:solidFill>
+                <a:schemeClr val="tx1"/>
+              </a:solidFill>
+            </a:endParaRPr>
+          </a:p>
+        </p:txBody>
+      </p:sp>
+      <p:sp>
+        <p:nvSpPr>
+          <p:cNvPr id="19" name="직사각형 18"/>
+          <p:cNvSpPr/>
+          <p:nvPr/>
+        </p:nvSpPr>
+        <p:spPr>
+          <a:xfrm>
+            <a:off x="9084648" y="3878439"/>
+            <a:ext cx="1070356" cy="1081178"/>
+          </a:xfrm>
+          <a:prstGeom prst="rect">
+            <a:avLst/>
+          </a:prstGeom>
+          <a:solidFill>
+            <a:srgbClr val="E2F0D9"/>
+          </a:solidFill>
+          <a:ln>
+            <a:solidFill>
+              <a:schemeClr val="tx1"/>
+            </a:solidFill>
+          </a:ln>
+        </p:spPr>
+        <p:style>
+          <a:lnRef idx="2">
+            <a:schemeClr val="accent1">
+              <a:shade val="50000"/>
+            </a:schemeClr>
+          </a:lnRef>
+          <a:fillRef idx="1">
+            <a:schemeClr val="accent1"/>
+          </a:fillRef>
+          <a:effectRef idx="0">
+            <a:schemeClr val="accent1"/>
+          </a:effectRef>
+          <a:fontRef idx="minor">
+            <a:schemeClr val="lt1"/>
+          </a:fontRef>
+        </p:style>
+        <p:txBody>
+          <a:bodyPr lIns="36000" tIns="36000" rIns="36000" bIns="36000" rtlCol="0" anchor="ctr"/>
+          <a:lstStyle/>
+          <a:p>
+            <a:pPr algn="ctr">
+              <a:lnSpc>
+                <a:spcPct val="120000"/>
+              </a:lnSpc>
+            </a:pPr>
+            <a:r>
+              <a:rPr lang="en-US" altLang="ko-KR" sz="1200" dirty="0">
+                <a:solidFill>
+                  <a:schemeClr val="tx1"/>
+                </a:solidFill>
+              </a:rPr>
+              <a:t>- Straight</a:t>
+            </a:r>
+          </a:p>
+          <a:p>
+            <a:pPr algn="ctr">
+              <a:lnSpc>
+                <a:spcPct val="120000"/>
+              </a:lnSpc>
+            </a:pPr>
+            <a:r>
+              <a:rPr lang="en-US" altLang="ko-KR" sz="1200" dirty="0">
+                <a:solidFill>
+                  <a:schemeClr val="tx1"/>
+                </a:solidFill>
+              </a:rPr>
+              <a:t>- Turn</a:t>
+            </a:r>
+          </a:p>
+          <a:p>
+            <a:pPr algn="ctr">
+              <a:lnSpc>
+                <a:spcPct val="120000"/>
+              </a:lnSpc>
+            </a:pPr>
+            <a:r>
+              <a:rPr lang="en-US" altLang="ko-KR" sz="1200" dirty="0">
+                <a:solidFill>
+                  <a:schemeClr val="tx1"/>
+                </a:solidFill>
+              </a:rPr>
+              <a:t>- Lane change</a:t>
+            </a:r>
+          </a:p>
+          <a:p>
+            <a:pPr algn="ctr">
+              <a:lnSpc>
+                <a:spcPct val="120000"/>
+              </a:lnSpc>
+            </a:pPr>
+            <a:r>
+              <a:rPr lang="en-US" altLang="ko-KR" sz="1200" dirty="0">
+                <a:solidFill>
+                  <a:schemeClr val="tx1"/>
+                </a:solidFill>
+              </a:rPr>
+              <a:t>…</a:t>
+            </a:r>
+          </a:p>
+        </p:txBody>
+      </p:sp>
+      <p:sp>
+        <p:nvSpPr>
+          <p:cNvPr id="20" name="직사각형 19"/>
+          <p:cNvSpPr/>
+          <p:nvPr/>
+        </p:nvSpPr>
+        <p:spPr>
+          <a:xfrm>
+            <a:off x="9081406" y="5305963"/>
+            <a:ext cx="1070356" cy="729971"/>
+          </a:xfrm>
+          <a:prstGeom prst="rect">
+            <a:avLst/>
+          </a:prstGeom>
+          <a:solidFill>
+            <a:srgbClr val="DEEBF7"/>
+          </a:solidFill>
+          <a:ln>
+            <a:solidFill>
+              <a:schemeClr val="tx1"/>
+            </a:solidFill>
+          </a:ln>
+        </p:spPr>
+        <p:style>
+          <a:lnRef idx="2">
+            <a:schemeClr val="accent1">
+              <a:shade val="50000"/>
+            </a:schemeClr>
+          </a:lnRef>
+          <a:fillRef idx="1">
+            <a:schemeClr val="accent1"/>
+          </a:fillRef>
+          <a:effectRef idx="0">
+            <a:schemeClr val="accent1"/>
+          </a:effectRef>
+          <a:fontRef idx="minor">
+            <a:schemeClr val="lt1"/>
+          </a:fontRef>
+        </p:style>
+        <p:txBody>
+          <a:bodyPr lIns="36000" tIns="36000" rIns="36000" bIns="36000" rtlCol="0" anchor="ctr"/>
+          <a:lstStyle/>
+          <a:p>
+            <a:pPr algn="ctr">
+              <a:lnSpc>
+                <a:spcPct val="120000"/>
+              </a:lnSpc>
+            </a:pPr>
+            <a:r>
+              <a:rPr lang="en-US" altLang="ko-KR" sz="1200" dirty="0">
+                <a:solidFill>
+                  <a:schemeClr val="tx1"/>
+                </a:solidFill>
+              </a:rPr>
+              <a:t>- Normal</a:t>
+            </a:r>
+          </a:p>
+          <a:p>
+            <a:pPr algn="ctr">
+              <a:lnSpc>
+                <a:spcPct val="120000"/>
+              </a:lnSpc>
+            </a:pPr>
+            <a:r>
+              <a:rPr lang="en-US" altLang="ko-KR" sz="1200" dirty="0">
+                <a:solidFill>
+                  <a:schemeClr val="tx1"/>
+                </a:solidFill>
+              </a:rPr>
+              <a:t>- Drowsy</a:t>
+            </a:r>
+          </a:p>
+        </p:txBody>
+      </p:sp>
+      <p:cxnSp>
+        <p:nvCxnSpPr>
+          <p:cNvPr id="24" name="직선 화살표 연결선 23"/>
+          <p:cNvCxnSpPr>
+            <a:cxnSpLocks/>
+            <a:stCxn id="9" idx="3"/>
+            <a:endCxn id="17" idx="0"/>
+          </p:cNvCxnSpPr>
+          <p:nvPr/>
+        </p:nvCxnSpPr>
+        <p:spPr>
+          <a:xfrm>
+            <a:off x="3303000" y="3159259"/>
+            <a:ext cx="7691351" cy="724103"/>
+          </a:xfrm>
+          <a:prstGeom prst="bentConnector2">
+            <a:avLst/>
+          </a:prstGeom>
+          <a:ln>
+            <a:solidFill>
+              <a:schemeClr val="tx1"/>
+            </a:solidFill>
+            <a:tailEnd type="triangle"/>
+          </a:ln>
+        </p:spPr>
+        <p:style>
+          <a:lnRef idx="1">
+            <a:schemeClr val="accent1"/>
+          </a:lnRef>
+          <a:fillRef idx="0">
+            <a:schemeClr val="accent1"/>
+          </a:fillRef>
+          <a:effectRef idx="0">
+            <a:schemeClr val="accent1"/>
+          </a:effectRef>
+          <a:fontRef idx="minor">
+            <a:schemeClr val="tx1"/>
+          </a:fontRef>
+        </p:style>
+      </p:cxnSp>
+      <p:cxnSp>
+        <p:nvCxnSpPr>
+          <p:cNvPr id="26" name="직선 화살표 연결선 25"/>
+          <p:cNvCxnSpPr>
+            <a:cxnSpLocks/>
+          </p:cNvCxnSpPr>
+          <p:nvPr/>
+        </p:nvCxnSpPr>
+        <p:spPr>
+          <a:xfrm>
+            <a:off x="3292430" y="4466095"/>
+            <a:ext cx="345660" cy="1"/>
+          </a:xfrm>
+          <a:prstGeom prst="straightConnector1">
+            <a:avLst/>
+          </a:prstGeom>
+          <a:ln>
+            <a:solidFill>
+              <a:schemeClr val="tx1"/>
+            </a:solidFill>
+            <a:tailEnd type="triangle"/>
+          </a:ln>
+        </p:spPr>
+        <p:style>
+          <a:lnRef idx="1">
+            <a:schemeClr val="accent1"/>
+          </a:lnRef>
+          <a:fillRef idx="0">
+            <a:schemeClr val="accent1"/>
+          </a:fillRef>
+          <a:effectRef idx="0">
+            <a:schemeClr val="accent1"/>
+          </a:effectRef>
+          <a:fontRef idx="minor">
+            <a:schemeClr val="tx1"/>
+          </a:fontRef>
+        </p:style>
+      </p:cxnSp>
+      <p:cxnSp>
+        <p:nvCxnSpPr>
+          <p:cNvPr id="27" name="직선 화살표 연결선 26"/>
+          <p:cNvCxnSpPr>
+            <a:cxnSpLocks/>
+            <a:stCxn id="10" idx="3"/>
+            <a:endCxn id="11" idx="1"/>
+          </p:cNvCxnSpPr>
+          <p:nvPr/>
+        </p:nvCxnSpPr>
+        <p:spPr>
+          <a:xfrm>
+            <a:off x="4737243" y="4953276"/>
+            <a:ext cx="369889" cy="5326"/>
+          </a:xfrm>
+          <a:prstGeom prst="straightConnector1">
+            <a:avLst/>
+          </a:prstGeom>
+          <a:ln>
+            <a:solidFill>
+              <a:schemeClr val="tx1"/>
+            </a:solidFill>
+            <a:tailEnd type="triangle"/>
+          </a:ln>
+        </p:spPr>
+        <p:style>
+          <a:lnRef idx="1">
+            <a:schemeClr val="accent1"/>
+          </a:lnRef>
+          <a:fillRef idx="0">
+            <a:schemeClr val="accent1"/>
+          </a:fillRef>
+          <a:effectRef idx="0">
+            <a:schemeClr val="accent1"/>
+          </a:effectRef>
+          <a:fontRef idx="minor">
+            <a:schemeClr val="tx1"/>
+          </a:fontRef>
+        </p:style>
+      </p:cxnSp>
+      <p:cxnSp>
+        <p:nvCxnSpPr>
+          <p:cNvPr id="30" name="직선 화살표 연결선 29"/>
+          <p:cNvCxnSpPr>
+            <a:cxnSpLocks/>
+            <a:endCxn id="12" idx="1"/>
+          </p:cNvCxnSpPr>
+          <p:nvPr/>
+        </p:nvCxnSpPr>
+        <p:spPr>
+          <a:xfrm>
+            <a:off x="6914706" y="4413273"/>
+            <a:ext cx="352522" cy="0"/>
+          </a:xfrm>
+          <a:prstGeom prst="straightConnector1">
+            <a:avLst/>
+          </a:prstGeom>
+          <a:ln>
+            <a:solidFill>
+              <a:schemeClr val="tx1"/>
+            </a:solidFill>
+            <a:tailEnd type="triangle"/>
+          </a:ln>
+        </p:spPr>
+        <p:style>
+          <a:lnRef idx="1">
+            <a:schemeClr val="accent1"/>
+          </a:lnRef>
+          <a:fillRef idx="0">
+            <a:schemeClr val="accent1"/>
+          </a:fillRef>
+          <a:effectRef idx="0">
+            <a:schemeClr val="accent1"/>
+          </a:effectRef>
+          <a:fontRef idx="minor">
+            <a:schemeClr val="tx1"/>
+          </a:fontRef>
+        </p:style>
+      </p:cxnSp>
+      <p:cxnSp>
+        <p:nvCxnSpPr>
+          <p:cNvPr id="31" name="직선 화살표 연결선 30"/>
+          <p:cNvCxnSpPr>
+            <a:cxnSpLocks/>
+            <a:endCxn id="13" idx="1"/>
+          </p:cNvCxnSpPr>
+          <p:nvPr/>
+        </p:nvCxnSpPr>
+        <p:spPr>
+          <a:xfrm>
+            <a:off x="6907185" y="5675902"/>
+            <a:ext cx="360043" cy="0"/>
+          </a:xfrm>
+          <a:prstGeom prst="straightConnector1">
+            <a:avLst/>
+          </a:prstGeom>
+          <a:ln>
+            <a:solidFill>
+              <a:schemeClr val="tx1"/>
+            </a:solidFill>
+            <a:tailEnd type="triangle"/>
+          </a:ln>
+        </p:spPr>
+        <p:style>
+          <a:lnRef idx="1">
+            <a:schemeClr val="accent1"/>
+          </a:lnRef>
+          <a:fillRef idx="0">
+            <a:schemeClr val="accent1"/>
+          </a:fillRef>
+          <a:effectRef idx="0">
+            <a:schemeClr val="accent1"/>
+          </a:effectRef>
+          <a:fontRef idx="minor">
+            <a:schemeClr val="tx1"/>
+          </a:fontRef>
+        </p:style>
+      </p:cxnSp>
+      <p:cxnSp>
+        <p:nvCxnSpPr>
+          <p:cNvPr id="32" name="직선 화살표 연결선 31"/>
+          <p:cNvCxnSpPr>
+            <a:cxnSpLocks/>
+            <a:stCxn id="12" idx="3"/>
+            <a:endCxn id="19" idx="1"/>
+          </p:cNvCxnSpPr>
+          <p:nvPr/>
+        </p:nvCxnSpPr>
+        <p:spPr>
+          <a:xfrm>
+            <a:off x="8706252" y="4413273"/>
+            <a:ext cx="378396" cy="5755"/>
+          </a:xfrm>
+          <a:prstGeom prst="straightConnector1">
+            <a:avLst/>
+          </a:prstGeom>
+          <a:ln>
+            <a:solidFill>
+              <a:schemeClr val="tx1"/>
+            </a:solidFill>
+            <a:tailEnd type="triangle"/>
+          </a:ln>
+        </p:spPr>
+        <p:style>
+          <a:lnRef idx="1">
+            <a:schemeClr val="accent1"/>
+          </a:lnRef>
+          <a:fillRef idx="0">
+            <a:schemeClr val="accent1"/>
+          </a:fillRef>
+          <a:effectRef idx="0">
+            <a:schemeClr val="accent1"/>
+          </a:effectRef>
+          <a:fontRef idx="minor">
+            <a:schemeClr val="tx1"/>
+          </a:fontRef>
+        </p:style>
+      </p:cxnSp>
+      <p:cxnSp>
+        <p:nvCxnSpPr>
+          <p:cNvPr id="33" name="직선 화살표 연결선 32"/>
+          <p:cNvCxnSpPr>
+            <a:cxnSpLocks/>
+            <a:stCxn id="13" idx="3"/>
+            <a:endCxn id="20" idx="1"/>
+          </p:cNvCxnSpPr>
+          <p:nvPr/>
+        </p:nvCxnSpPr>
+        <p:spPr>
+          <a:xfrm flipV="1">
+            <a:off x="8706252" y="5670949"/>
+            <a:ext cx="375154" cy="4953"/>
+          </a:xfrm>
+          <a:prstGeom prst="straightConnector1">
+            <a:avLst/>
+          </a:prstGeom>
+          <a:ln>
+            <a:solidFill>
+              <a:schemeClr val="tx1"/>
+            </a:solidFill>
+            <a:tailEnd type="triangle"/>
+          </a:ln>
+        </p:spPr>
+        <p:style>
+          <a:lnRef idx="1">
+            <a:schemeClr val="accent1"/>
+          </a:lnRef>
+          <a:fillRef idx="0">
+            <a:schemeClr val="accent1"/>
+          </a:fillRef>
+          <a:effectRef idx="0">
+            <a:schemeClr val="accent1"/>
+          </a:effectRef>
+          <a:fontRef idx="minor">
+            <a:schemeClr val="tx1"/>
+          </a:fontRef>
+        </p:style>
+      </p:cxnSp>
+      <p:cxnSp>
+        <p:nvCxnSpPr>
+          <p:cNvPr id="34" name="직선 화살표 연결선 33"/>
+          <p:cNvCxnSpPr>
+            <a:cxnSpLocks/>
+            <a:stCxn id="19" idx="3"/>
+            <a:endCxn id="17" idx="1"/>
+          </p:cNvCxnSpPr>
+          <p:nvPr/>
+        </p:nvCxnSpPr>
+        <p:spPr>
+          <a:xfrm>
+            <a:off x="10155004" y="4419028"/>
+            <a:ext cx="301179" cy="4923"/>
+          </a:xfrm>
+          <a:prstGeom prst="straightConnector1">
+            <a:avLst/>
+          </a:prstGeom>
+          <a:ln>
+            <a:solidFill>
+              <a:schemeClr val="tx1"/>
+            </a:solidFill>
+            <a:tailEnd type="triangle"/>
+          </a:ln>
+        </p:spPr>
+        <p:style>
+          <a:lnRef idx="1">
+            <a:schemeClr val="accent1"/>
+          </a:lnRef>
+          <a:fillRef idx="0">
+            <a:schemeClr val="accent1"/>
+          </a:fillRef>
+          <a:effectRef idx="0">
+            <a:schemeClr val="accent1"/>
+          </a:effectRef>
+          <a:fontRef idx="minor">
+            <a:schemeClr val="tx1"/>
+          </a:fontRef>
+        </p:style>
+      </p:cxnSp>
+      <p:cxnSp>
+        <p:nvCxnSpPr>
+          <p:cNvPr id="37" name="꺾인 연결선 36"/>
+          <p:cNvCxnSpPr>
+            <a:cxnSpLocks/>
+            <a:stCxn id="8" idx="1"/>
+            <a:endCxn id="17" idx="0"/>
+          </p:cNvCxnSpPr>
+          <p:nvPr/>
+        </p:nvCxnSpPr>
+        <p:spPr>
+          <a:xfrm rot="10800000" flipH="1">
+            <a:off x="1503565" y="3883363"/>
+            <a:ext cx="9490786" cy="537075"/>
+          </a:xfrm>
+          <a:prstGeom prst="bentConnector4">
+            <a:avLst>
+              <a:gd name="adj1" fmla="val -2409"/>
+              <a:gd name="adj2" fmla="val 143109"/>
+            </a:avLst>
+          </a:prstGeom>
+          <a:ln>
+            <a:solidFill>
+              <a:schemeClr val="tx1"/>
+            </a:solidFill>
+            <a:prstDash val="dash"/>
+            <a:tailEnd type="triangle"/>
+          </a:ln>
+        </p:spPr>
+        <p:style>
+          <a:lnRef idx="1">
+            <a:schemeClr val="accent1"/>
+          </a:lnRef>
+          <a:fillRef idx="0">
+            <a:schemeClr val="accent1"/>
+          </a:fillRef>
+          <a:effectRef idx="0">
+            <a:schemeClr val="accent1"/>
+          </a:effectRef>
+          <a:fontRef idx="minor">
+            <a:schemeClr val="tx1"/>
+          </a:fontRef>
+        </p:style>
+      </p:cxnSp>
+      <p:cxnSp>
+        <p:nvCxnSpPr>
+          <p:cNvPr id="38" name="꺾인 연결선 37"/>
+          <p:cNvCxnSpPr>
+            <a:cxnSpLocks/>
+            <a:stCxn id="9" idx="1"/>
+            <a:endCxn id="17" idx="0"/>
+          </p:cNvCxnSpPr>
+          <p:nvPr/>
+        </p:nvCxnSpPr>
+        <p:spPr>
+          <a:xfrm rot="10800000" flipH="1" flipV="1">
+            <a:off x="1503563" y="3159258"/>
+            <a:ext cx="9490787" cy="724103"/>
+          </a:xfrm>
+          <a:prstGeom prst="bentConnector4">
+            <a:avLst>
+              <a:gd name="adj1" fmla="val -2409"/>
+              <a:gd name="adj2" fmla="val -80247"/>
+            </a:avLst>
+          </a:prstGeom>
+          <a:ln>
+            <a:solidFill>
+              <a:schemeClr val="tx1"/>
+            </a:solidFill>
+            <a:prstDash val="dash"/>
+            <a:tailEnd type="triangle"/>
+          </a:ln>
+        </p:spPr>
+        <p:style>
+          <a:lnRef idx="1">
+            <a:schemeClr val="accent1"/>
+          </a:lnRef>
+          <a:fillRef idx="0">
+            <a:schemeClr val="accent1"/>
+          </a:fillRef>
+          <a:effectRef idx="0">
+            <a:schemeClr val="accent1"/>
+          </a:effectRef>
+          <a:fontRef idx="minor">
+            <a:schemeClr val="tx1"/>
+          </a:fontRef>
+        </p:style>
+      </p:cxnSp>
+      <p:sp>
+        <p:nvSpPr>
+          <p:cNvPr id="3" name="오른쪽 화살표 2"/>
+          <p:cNvSpPr/>
+          <p:nvPr/>
+        </p:nvSpPr>
+        <p:spPr>
+          <a:xfrm>
+            <a:off x="1503563" y="2093049"/>
+            <a:ext cx="2000044" cy="360000"/>
+          </a:xfrm>
+          <a:prstGeom prst="rightArrow">
+            <a:avLst>
+              <a:gd name="adj1" fmla="val 100000"/>
+              <a:gd name="adj2" fmla="val 50000"/>
+            </a:avLst>
+          </a:prstGeom>
+          <a:solidFill>
+            <a:srgbClr val="40BAD2"/>
+          </a:solidFill>
+          <a:ln>
+            <a:solidFill>
+              <a:srgbClr val="40BAD2"/>
+            </a:solidFill>
+          </a:ln>
+        </p:spPr>
+        <p:style>
+          <a:lnRef idx="2">
+            <a:schemeClr val="accent1">
+              <a:shade val="50000"/>
+            </a:schemeClr>
+          </a:lnRef>
+          <a:fillRef idx="1">
+            <a:schemeClr val="accent1"/>
+          </a:fillRef>
+          <a:effectRef idx="0">
+            <a:schemeClr val="accent1"/>
+          </a:effectRef>
+          <a:fontRef idx="minor">
+            <a:schemeClr val="lt1"/>
+          </a:fontRef>
+        </p:style>
+        <p:txBody>
+          <a:bodyPr lIns="0" tIns="0" rIns="0" bIns="0" rtlCol="0" anchor="ctr"/>
+          <a:lstStyle/>
+          <a:p>
+            <a:pPr algn="ctr"/>
+            <a:r>
+              <a:rPr lang="en-US" altLang="ko-KR" sz="1600" dirty="0"/>
+              <a:t>Input</a:t>
+            </a:r>
+            <a:endParaRPr lang="ko-KR" altLang="en-US" sz="1600" dirty="0"/>
+          </a:p>
+        </p:txBody>
+      </p:sp>
+      <p:sp>
+        <p:nvSpPr>
+          <p:cNvPr id="46" name="오른쪽 화살표 45"/>
+          <p:cNvSpPr/>
+          <p:nvPr/>
+        </p:nvSpPr>
+        <p:spPr>
+          <a:xfrm>
+            <a:off x="3585100" y="2086125"/>
+            <a:ext cx="1418153" cy="360000"/>
+          </a:xfrm>
+          <a:prstGeom prst="rightArrow">
+            <a:avLst>
+              <a:gd name="adj1" fmla="val 100000"/>
+              <a:gd name="adj2" fmla="val 50000"/>
+            </a:avLst>
+          </a:prstGeom>
+          <a:solidFill>
+            <a:srgbClr val="40BAD2"/>
+          </a:solidFill>
+          <a:ln>
+            <a:solidFill>
+              <a:srgbClr val="40BAD2"/>
+            </a:solidFill>
+          </a:ln>
+        </p:spPr>
+        <p:style>
+          <a:lnRef idx="2">
+            <a:schemeClr val="accent1">
+              <a:shade val="50000"/>
+            </a:schemeClr>
+          </a:lnRef>
+          <a:fillRef idx="1">
+            <a:schemeClr val="accent1"/>
+          </a:fillRef>
+          <a:effectRef idx="0">
+            <a:schemeClr val="accent1"/>
+          </a:effectRef>
+          <a:fontRef idx="minor">
+            <a:schemeClr val="lt1"/>
+          </a:fontRef>
+        </p:style>
+        <p:txBody>
+          <a:bodyPr lIns="0" tIns="0" rIns="0" bIns="0" rtlCol="0" anchor="ctr"/>
+          <a:lstStyle/>
+          <a:p>
+            <a:pPr algn="ctr"/>
+            <a:r>
+              <a:rPr lang="en-US" altLang="ko-KR" sz="1600" dirty="0"/>
+              <a:t>Preprocessing</a:t>
+            </a:r>
+            <a:endParaRPr lang="ko-KR" altLang="en-US" sz="1600" dirty="0"/>
+          </a:p>
+        </p:txBody>
+      </p:sp>
+      <p:sp>
+        <p:nvSpPr>
+          <p:cNvPr id="47" name="오른쪽 화살표 46"/>
+          <p:cNvSpPr/>
+          <p:nvPr/>
+        </p:nvSpPr>
+        <p:spPr>
+          <a:xfrm>
+            <a:off x="5115758" y="2067248"/>
+            <a:ext cx="3804504" cy="360000"/>
+          </a:xfrm>
+          <a:prstGeom prst="rightArrow">
+            <a:avLst>
+              <a:gd name="adj1" fmla="val 100000"/>
+              <a:gd name="adj2" fmla="val 50000"/>
+            </a:avLst>
+          </a:prstGeom>
+          <a:solidFill>
+            <a:srgbClr val="40BAD2"/>
+          </a:solidFill>
+          <a:ln>
+            <a:solidFill>
+              <a:srgbClr val="40BAD2"/>
+            </a:solidFill>
+          </a:ln>
+        </p:spPr>
+        <p:style>
+          <a:lnRef idx="2">
+            <a:schemeClr val="accent1">
+              <a:shade val="50000"/>
+            </a:schemeClr>
+          </a:lnRef>
+          <a:fillRef idx="1">
+            <a:schemeClr val="accent1"/>
+          </a:fillRef>
+          <a:effectRef idx="0">
+            <a:schemeClr val="accent1"/>
+          </a:effectRef>
+          <a:fontRef idx="minor">
+            <a:schemeClr val="lt1"/>
+          </a:fontRef>
+        </p:style>
+        <p:txBody>
+          <a:bodyPr lIns="0" tIns="0" rIns="0" bIns="0" rtlCol="0" anchor="ctr"/>
+          <a:lstStyle/>
+          <a:p>
+            <a:pPr algn="ctr"/>
+            <a:r>
+              <a:rPr lang="en-US" altLang="ko-KR" sz="1600" dirty="0"/>
+              <a:t>Neural networks</a:t>
+            </a:r>
+            <a:endParaRPr lang="ko-KR" altLang="en-US" sz="1600" dirty="0"/>
+          </a:p>
+        </p:txBody>
+      </p:sp>
+      <p:sp>
+        <p:nvSpPr>
+          <p:cNvPr id="48" name="오른쪽 화살표 47"/>
+          <p:cNvSpPr/>
+          <p:nvPr/>
+        </p:nvSpPr>
+        <p:spPr>
+          <a:xfrm>
+            <a:off x="9071678" y="2084423"/>
+            <a:ext cx="1259095" cy="360000"/>
+          </a:xfrm>
+          <a:prstGeom prst="rightArrow">
+            <a:avLst>
+              <a:gd name="adj1" fmla="val 100000"/>
+              <a:gd name="adj2" fmla="val 50000"/>
+            </a:avLst>
+          </a:prstGeom>
+          <a:solidFill>
+            <a:srgbClr val="40BAD2"/>
+          </a:solidFill>
+          <a:ln>
+            <a:solidFill>
+              <a:srgbClr val="40BAD2"/>
+            </a:solidFill>
+          </a:ln>
+        </p:spPr>
+        <p:style>
+          <a:lnRef idx="2">
+            <a:schemeClr val="accent1">
+              <a:shade val="50000"/>
+            </a:schemeClr>
+          </a:lnRef>
+          <a:fillRef idx="1">
+            <a:schemeClr val="accent1"/>
+          </a:fillRef>
+          <a:effectRef idx="0">
+            <a:schemeClr val="accent1"/>
+          </a:effectRef>
+          <a:fontRef idx="minor">
+            <a:schemeClr val="lt1"/>
+          </a:fontRef>
+        </p:style>
+        <p:txBody>
+          <a:bodyPr lIns="0" tIns="0" rIns="0" bIns="0" rtlCol="0" anchor="ctr"/>
+          <a:lstStyle/>
+          <a:p>
+            <a:pPr algn="ctr"/>
+            <a:r>
+              <a:rPr lang="en-US" altLang="ko-KR" sz="1600" dirty="0"/>
+              <a:t>Output</a:t>
+            </a:r>
+            <a:endParaRPr lang="ko-KR" altLang="en-US" sz="1600" dirty="0"/>
+          </a:p>
+        </p:txBody>
+      </p:sp>
+      <p:sp>
+        <p:nvSpPr>
+          <p:cNvPr id="49" name="오른쪽 화살표 48"/>
+          <p:cNvSpPr/>
+          <p:nvPr/>
+        </p:nvSpPr>
+        <p:spPr>
+          <a:xfrm>
+            <a:off x="10482189" y="2064509"/>
+            <a:ext cx="1259095" cy="360000"/>
+          </a:xfrm>
+          <a:prstGeom prst="rightArrow">
+            <a:avLst>
+              <a:gd name="adj1" fmla="val 100000"/>
+              <a:gd name="adj2" fmla="val 50000"/>
+            </a:avLst>
+          </a:prstGeom>
+          <a:solidFill>
+            <a:srgbClr val="40BAD2"/>
+          </a:solidFill>
+          <a:ln>
+            <a:solidFill>
+              <a:srgbClr val="40BAD2"/>
+            </a:solidFill>
+          </a:ln>
+        </p:spPr>
+        <p:style>
+          <a:lnRef idx="2">
+            <a:schemeClr val="accent1">
+              <a:shade val="50000"/>
+            </a:schemeClr>
+          </a:lnRef>
+          <a:fillRef idx="1">
+            <a:schemeClr val="accent1"/>
+          </a:fillRef>
+          <a:effectRef idx="0">
+            <a:schemeClr val="accent1"/>
+          </a:effectRef>
+          <a:fontRef idx="minor">
+            <a:schemeClr val="lt1"/>
+          </a:fontRef>
+        </p:style>
+        <p:txBody>
+          <a:bodyPr lIns="0" tIns="0" rIns="0" bIns="0" rtlCol="0" anchor="ctr"/>
+          <a:lstStyle/>
+          <a:p>
+            <a:pPr algn="ctr"/>
+            <a:r>
+              <a:rPr lang="en-US" altLang="ko-KR" sz="1600" dirty="0"/>
+              <a:t>Evaluation</a:t>
+            </a:r>
+            <a:endParaRPr lang="ko-KR" altLang="en-US" sz="1600" dirty="0"/>
+          </a:p>
+        </p:txBody>
+      </p:sp>
+      <p:cxnSp>
+        <p:nvCxnSpPr>
+          <p:cNvPr id="51" name="꺾인 연결선 50"/>
+          <p:cNvCxnSpPr>
+            <a:cxnSpLocks/>
+            <a:stCxn id="17" idx="3"/>
+            <a:endCxn id="10" idx="0"/>
+          </p:cNvCxnSpPr>
+          <p:nvPr/>
+        </p:nvCxnSpPr>
+        <p:spPr>
+          <a:xfrm flipH="1" flipV="1">
+            <a:off x="4197265" y="3872686"/>
+            <a:ext cx="7335253" cy="551265"/>
+          </a:xfrm>
+          <a:prstGeom prst="bentConnector4">
+            <a:avLst>
+              <a:gd name="adj1" fmla="val -3116"/>
+              <a:gd name="adj2" fmla="val 287508"/>
+            </a:avLst>
+          </a:prstGeom>
+          <a:ln>
+            <a:solidFill>
+              <a:schemeClr val="tx1"/>
+            </a:solidFill>
+            <a:prstDash val="dash"/>
+            <a:tailEnd type="triangle"/>
+          </a:ln>
+        </p:spPr>
+        <p:style>
+          <a:lnRef idx="1">
+            <a:schemeClr val="accent1"/>
+          </a:lnRef>
+          <a:fillRef idx="0">
+            <a:schemeClr val="accent1"/>
+          </a:fillRef>
+          <a:effectRef idx="0">
+            <a:schemeClr val="accent1"/>
+          </a:effectRef>
+          <a:fontRef idx="minor">
+            <a:schemeClr val="tx1"/>
+          </a:fontRef>
+        </p:style>
+      </p:cxnSp>
+      <p:sp>
+        <p:nvSpPr>
+          <p:cNvPr id="52" name="직사각형 51"/>
+          <p:cNvSpPr/>
+          <p:nvPr/>
+        </p:nvSpPr>
+        <p:spPr>
+          <a:xfrm>
+            <a:off x="1510935" y="5448816"/>
+            <a:ext cx="1800000" cy="561732"/>
+          </a:xfrm>
+          <a:prstGeom prst="rect">
+            <a:avLst/>
+          </a:prstGeom>
+          <a:solidFill>
+            <a:srgbClr val="F2F2F2"/>
+          </a:solidFill>
+          <a:ln>
+            <a:solidFill>
+              <a:schemeClr val="tx1"/>
+            </a:solidFill>
+            <a:prstDash val="dash"/>
+          </a:ln>
+        </p:spPr>
+        <p:style>
+          <a:lnRef idx="2">
+            <a:schemeClr val="accent1">
+              <a:shade val="50000"/>
+            </a:schemeClr>
+          </a:lnRef>
+          <a:fillRef idx="1">
+            <a:schemeClr val="accent1"/>
+          </a:fillRef>
+          <a:effectRef idx="0">
+            <a:schemeClr val="accent1"/>
+          </a:effectRef>
+          <a:fontRef idx="minor">
+            <a:schemeClr val="lt1"/>
+          </a:fontRef>
+        </p:style>
+        <p:txBody>
+          <a:bodyPr lIns="36000" tIns="36000" rIns="36000" bIns="36000" rtlCol="0" anchor="ctr"/>
+          <a:lstStyle/>
+          <a:p>
+            <a:pPr algn="ctr">
+              <a:lnSpc>
+                <a:spcPct val="120000"/>
+              </a:lnSpc>
+            </a:pPr>
+            <a:r>
+              <a:rPr lang="en-US" altLang="ko-KR" sz="1200" dirty="0">
+                <a:solidFill>
+                  <a:schemeClr val="tx1"/>
+                </a:solidFill>
+              </a:rPr>
+              <a:t>Real data</a:t>
+            </a:r>
+          </a:p>
+          <a:p>
+            <a:pPr algn="ctr">
+              <a:lnSpc>
+                <a:spcPct val="120000"/>
+              </a:lnSpc>
+            </a:pPr>
+            <a:r>
+              <a:rPr lang="en-US" altLang="ko-KR" sz="1200" dirty="0">
+                <a:solidFill>
+                  <a:schemeClr val="tx1"/>
+                </a:solidFill>
+              </a:rPr>
+              <a:t>4 . Drowsy OBD data</a:t>
+            </a:r>
+          </a:p>
+          <a:p>
+            <a:pPr algn="ctr">
+              <a:lnSpc>
+                <a:spcPct val="120000"/>
+              </a:lnSpc>
+            </a:pPr>
+            <a:r>
+              <a:rPr lang="en-US" altLang="ko-KR" sz="1200" dirty="0">
+                <a:solidFill>
+                  <a:schemeClr val="tx1"/>
+                </a:solidFill>
+              </a:rPr>
+              <a:t>(future work)</a:t>
+            </a:r>
+          </a:p>
+        </p:txBody>
+      </p:sp>
+      <p:sp>
+        <p:nvSpPr>
+          <p:cNvPr id="53" name="직사각형 52"/>
+          <p:cNvSpPr/>
+          <p:nvPr/>
+        </p:nvSpPr>
+        <p:spPr>
+          <a:xfrm>
+            <a:off x="10480675" y="5305966"/>
+            <a:ext cx="1076335" cy="717960"/>
+          </a:xfrm>
+          <a:prstGeom prst="rect">
+            <a:avLst/>
+          </a:prstGeom>
+          <a:solidFill>
+            <a:srgbClr val="FFF2CC"/>
+          </a:solidFill>
+          <a:ln>
+            <a:solidFill>
+              <a:schemeClr val="tx1"/>
+            </a:solidFill>
+            <a:prstDash val="dash"/>
+          </a:ln>
+        </p:spPr>
+        <p:style>
+          <a:lnRef idx="2">
+            <a:schemeClr val="accent1">
+              <a:shade val="50000"/>
+            </a:schemeClr>
+          </a:lnRef>
+          <a:fillRef idx="1">
+            <a:schemeClr val="accent1"/>
+          </a:fillRef>
+          <a:effectRef idx="0">
+            <a:schemeClr val="accent1"/>
+          </a:effectRef>
+          <a:fontRef idx="minor">
+            <a:schemeClr val="lt1"/>
+          </a:fontRef>
+        </p:style>
+        <p:txBody>
+          <a:bodyPr lIns="36000" tIns="36000" rIns="36000" bIns="36000" rtlCol="0" anchor="ctr"/>
+          <a:lstStyle/>
+          <a:p>
+            <a:pPr algn="ctr">
+              <a:lnSpc>
+                <a:spcPct val="120000"/>
+              </a:lnSpc>
+            </a:pPr>
+            <a:r>
+              <a:rPr lang="en-US" altLang="ko-KR" sz="1200" dirty="0">
+                <a:solidFill>
+                  <a:schemeClr val="tx1"/>
+                </a:solidFill>
+              </a:rPr>
+              <a:t>-. Accuracy on real data</a:t>
+            </a:r>
+          </a:p>
+          <a:p>
+            <a:pPr algn="ctr">
+              <a:lnSpc>
+                <a:spcPct val="120000"/>
+              </a:lnSpc>
+            </a:pPr>
+            <a:r>
+              <a:rPr lang="en-US" altLang="ko-KR" sz="1200" dirty="0">
+                <a:solidFill>
+                  <a:schemeClr val="tx1"/>
+                </a:solidFill>
+              </a:rPr>
+              <a:t>(future work)</a:t>
+            </a:r>
+            <a:endParaRPr lang="ko-KR" altLang="en-US" sz="900" dirty="0">
+              <a:solidFill>
+                <a:schemeClr val="tx1"/>
+              </a:solidFill>
+            </a:endParaRPr>
+          </a:p>
+        </p:txBody>
+      </p:sp>
+      <p:cxnSp>
+        <p:nvCxnSpPr>
+          <p:cNvPr id="54" name="직선 화살표 연결선 53"/>
+          <p:cNvCxnSpPr>
+            <a:cxnSpLocks/>
+            <a:stCxn id="20" idx="3"/>
+            <a:endCxn id="53" idx="1"/>
+          </p:cNvCxnSpPr>
+          <p:nvPr/>
+        </p:nvCxnSpPr>
+        <p:spPr>
+          <a:xfrm flipV="1">
+            <a:off x="10151762" y="5664946"/>
+            <a:ext cx="328913" cy="6003"/>
+          </a:xfrm>
+          <a:prstGeom prst="straightConnector1">
+            <a:avLst/>
+          </a:prstGeom>
+          <a:ln>
+            <a:solidFill>
+              <a:schemeClr val="tx1"/>
+            </a:solidFill>
+            <a:tailEnd type="triangle"/>
+          </a:ln>
+        </p:spPr>
+        <p:style>
+          <a:lnRef idx="1">
+            <a:schemeClr val="accent1"/>
+          </a:lnRef>
+          <a:fillRef idx="0">
+            <a:schemeClr val="accent1"/>
+          </a:fillRef>
+          <a:effectRef idx="0">
+            <a:schemeClr val="accent1"/>
+          </a:effectRef>
+          <a:fontRef idx="minor">
+            <a:schemeClr val="tx1"/>
+          </a:fontRef>
+        </p:style>
+      </p:cxnSp>
+      <p:cxnSp>
+        <p:nvCxnSpPr>
+          <p:cNvPr id="55" name="꺾인 연결선 54"/>
+          <p:cNvCxnSpPr>
+            <a:cxnSpLocks/>
+            <a:stCxn id="52" idx="2"/>
+            <a:endCxn id="53" idx="2"/>
+          </p:cNvCxnSpPr>
+          <p:nvPr/>
+        </p:nvCxnSpPr>
+        <p:spPr>
+          <a:xfrm rot="16200000" flipH="1">
+            <a:off x="6708200" y="1713283"/>
+            <a:ext cx="13378" cy="8607908"/>
+          </a:xfrm>
+          <a:prstGeom prst="bentConnector3">
+            <a:avLst>
+              <a:gd name="adj1" fmla="val 1808776"/>
+            </a:avLst>
+          </a:prstGeom>
+          <a:ln>
+            <a:solidFill>
+              <a:schemeClr val="tx1"/>
+            </a:solidFill>
+            <a:prstDash val="dash"/>
+            <a:tailEnd type="triangle"/>
+          </a:ln>
+        </p:spPr>
+        <p:style>
+          <a:lnRef idx="1">
+            <a:schemeClr val="accent1"/>
+          </a:lnRef>
+          <a:fillRef idx="0">
+            <a:schemeClr val="accent1"/>
+          </a:fillRef>
+          <a:effectRef idx="0">
+            <a:schemeClr val="accent1"/>
+          </a:effectRef>
+          <a:fontRef idx="minor">
+            <a:schemeClr val="tx1"/>
+          </a:fontRef>
+        </p:style>
+      </p:cxnSp>
+      <p:sp>
+        <p:nvSpPr>
+          <p:cNvPr id="59" name="TextBox 58"/>
+          <p:cNvSpPr txBox="1"/>
+          <p:nvPr/>
+        </p:nvSpPr>
+        <p:spPr>
+          <a:xfrm>
+            <a:off x="1274322" y="632296"/>
+            <a:ext cx="10603149" cy="1250535"/>
+          </a:xfrm>
+          <a:prstGeom prst="rect">
+            <a:avLst/>
+          </a:prstGeom>
+          <a:noFill/>
+        </p:spPr>
+        <p:txBody>
+          <a:bodyPr wrap="square" rtlCol="0">
+            <a:spAutoFit/>
+          </a:bodyPr>
+          <a:lstStyle/>
+          <a:p>
+            <a:pPr>
+              <a:lnSpc>
+                <a:spcPct val="150000"/>
+              </a:lnSpc>
+            </a:pPr>
+            <a:r>
+              <a:rPr lang="en-US" altLang="ko-KR" sz="2000" dirty="0"/>
+              <a:t>· Real data</a:t>
+            </a:r>
+            <a:r>
+              <a:rPr lang="ko-KR" altLang="en-US" sz="2000" dirty="0"/>
+              <a:t>와 </a:t>
+            </a:r>
+            <a:r>
+              <a:rPr lang="en-US" altLang="ko-KR" sz="2000" dirty="0"/>
+              <a:t>Sim data </a:t>
+            </a:r>
+            <a:r>
+              <a:rPr lang="ko-KR" altLang="en-US" sz="2000" dirty="0"/>
+              <a:t>모두에 잘 동작하는 </a:t>
+            </a:r>
+            <a:r>
+              <a:rPr lang="en-US" altLang="ko-KR" sz="2000" dirty="0"/>
+              <a:t>Feature extractor</a:t>
+            </a:r>
+            <a:r>
+              <a:rPr lang="ko-KR" altLang="en-US" sz="2000" dirty="0"/>
+              <a:t>를 학습하여 다양한 </a:t>
+            </a:r>
+            <a:r>
+              <a:rPr lang="en-US" altLang="ko-KR" sz="2000" dirty="0"/>
+              <a:t>Classifier</a:t>
+            </a:r>
+            <a:r>
+              <a:rPr lang="ko-KR" altLang="en-US" sz="2000" dirty="0"/>
+              <a:t>에 활용</a:t>
+            </a:r>
+            <a:endParaRPr lang="en-US" altLang="ko-KR" sz="2000" dirty="0"/>
+          </a:p>
+          <a:p>
+            <a:pPr>
+              <a:lnSpc>
+                <a:spcPct val="150000"/>
+              </a:lnSpc>
+            </a:pPr>
+            <a:r>
+              <a:rPr lang="en-US" altLang="ko-KR" sz="1600" dirty="0"/>
+              <a:t>      - </a:t>
+            </a:r>
+            <a:r>
+              <a:rPr lang="en-US" altLang="ko-KR" sz="1600" spc="-150" dirty="0"/>
+              <a:t>Vehicle motion</a:t>
+            </a:r>
+            <a:r>
+              <a:rPr lang="ko-KR" altLang="en-US" sz="1600" spc="-150" dirty="0"/>
+              <a:t>에 대하여 수집한 </a:t>
+            </a:r>
+            <a:r>
+              <a:rPr lang="en-US" altLang="ko-KR" sz="1600" spc="-150" dirty="0"/>
+              <a:t>Sim data</a:t>
+            </a:r>
+            <a:r>
+              <a:rPr lang="ko-KR" altLang="en-US" sz="1600" spc="-150" dirty="0"/>
+              <a:t>를 활용하여 </a:t>
+            </a:r>
+            <a:r>
+              <a:rPr lang="en-US" altLang="ko-KR" sz="1600" spc="-150" dirty="0"/>
+              <a:t>Preprocessing</a:t>
+            </a:r>
+            <a:r>
+              <a:rPr lang="ko-KR" altLang="en-US" sz="1600" spc="-150" dirty="0"/>
+              <a:t>과 </a:t>
+            </a:r>
+            <a:r>
+              <a:rPr lang="en-US" altLang="ko-KR" sz="1600" spc="-150" dirty="0"/>
+              <a:t>Feature extractor</a:t>
+            </a:r>
+            <a:r>
+              <a:rPr lang="ko-KR" altLang="en-US" sz="1600" spc="-150" dirty="0"/>
+              <a:t>를 검증 후 </a:t>
+            </a:r>
+            <a:r>
+              <a:rPr lang="en-US" altLang="ko-KR" sz="1600" spc="-150" dirty="0"/>
+              <a:t>Real data</a:t>
+            </a:r>
+            <a:r>
+              <a:rPr lang="ko-KR" altLang="en-US" sz="1600" spc="-150" dirty="0"/>
+              <a:t>에도 적용</a:t>
+            </a:r>
+            <a:endParaRPr lang="en-US" altLang="ko-KR" sz="1600" spc="-150" dirty="0"/>
+          </a:p>
+          <a:p>
+            <a:pPr>
+              <a:lnSpc>
+                <a:spcPct val="150000"/>
+              </a:lnSpc>
+            </a:pPr>
+            <a:r>
+              <a:rPr lang="ko-KR" altLang="en-US" sz="1600" dirty="0"/>
+              <a:t>      </a:t>
+            </a:r>
+            <a:r>
+              <a:rPr lang="en-US" altLang="ko-KR" sz="1600" dirty="0"/>
+              <a:t>- </a:t>
+            </a:r>
+            <a:r>
+              <a:rPr lang="ko-KR" altLang="en-US" sz="1600" dirty="0"/>
+              <a:t>검증 된 </a:t>
+            </a:r>
+            <a:r>
+              <a:rPr lang="en-US" altLang="ko-KR" sz="1600" dirty="0"/>
+              <a:t>Feature extractor</a:t>
+            </a:r>
+            <a:r>
+              <a:rPr lang="ko-KR" altLang="en-US" sz="1600" dirty="0"/>
+              <a:t>를 활용하여 </a:t>
+            </a:r>
+            <a:r>
+              <a:rPr lang="en-US" altLang="ko-KR" sz="1600" dirty="0"/>
+              <a:t>Drowsy </a:t>
+            </a:r>
+            <a:r>
+              <a:rPr lang="ko-KR" altLang="en-US" sz="1600" dirty="0"/>
+              <a:t>인식 등에 활용</a:t>
+            </a:r>
+          </a:p>
+        </p:txBody>
+      </p:sp>
+    </p:spTree>
+    <p:extLst>
+      <p:ext uri="{BB962C8B-B14F-4D97-AF65-F5344CB8AC3E}">
+        <p14:creationId xmlns:p14="http://schemas.microsoft.com/office/powerpoint/2010/main" val="2493194080"/>
+      </p:ext>
+    </p:extLst>
+  </p:cSld>
+  <p:clrMapOvr>
+    <a:masterClrMapping/>
+  </p:clrMapOvr>
+</p:sld>
+</file>
+
+<file path=ppt/slides/slide12.xml><?xml version="1.0" encoding="utf-8"?>
+<p:sld xmlns:a="http://schemas.openxmlformats.org/drawingml/2006/main" xmlns:r="http://schemas.openxmlformats.org/officeDocument/2006/relationships" xmlns:p="http://schemas.openxmlformats.org/presentationml/2006/main">
+  <p:cSld>
+    <p:spTree>
+      <p:nvGrpSpPr>
+        <p:cNvPr id="1" name=""/>
+        <p:cNvGrpSpPr/>
+        <p:nvPr/>
+      </p:nvGrpSpPr>
+      <p:grpSpPr>
+        <a:xfrm>
+          <a:off x="0" y="0"/>
+          <a:ext cx="0" cy="0"/>
+          <a:chOff x="0" y="0"/>
+          <a:chExt cx="0" cy="0"/>
+        </a:xfrm>
+      </p:grpSpPr>
+      <p:sp>
+        <p:nvSpPr>
+          <p:cNvPr id="2" name="제목 1">
+            <a:extLst>
+              <a:ext uri="{FF2B5EF4-FFF2-40B4-BE49-F238E27FC236}">
                 <a16:creationId xmlns:a16="http://schemas.microsoft.com/office/drawing/2014/main" id="{F527D3A4-2476-4C9D-B594-1FA1ED3CFA2B}"/>
               </a:ext>
             </a:extLst>
@@ -6281,7 +8606,7 @@
             <a:fld id="{4FAB73BC-B049-4115-A692-8D63A059BFB8}" type="slidenum">
               <a:rPr lang="en-US" smtClean="0"/>
               <a:pPr/>
-              <a:t>11</a:t>
+              <a:t>12</a:t>
             </a:fld>
             <a:endParaRPr lang="en-US" dirty="0"/>
           </a:p>
@@ -6315,7 +8640,7 @@
           <a:p>
             <a:fld id="{835A3A55-8703-4404-B685-585B47BF8635}" type="datetime1">
               <a:rPr lang="ko-KR" altLang="en-US" smtClean="0"/>
-              <a:t>2020-07-30</a:t>
+              <a:t>2020-08-06</a:t>
             </a:fld>
             <a:endParaRPr lang="en-US" dirty="0"/>
           </a:p>
@@ -6498,7 +8823,7 @@
 </p:sld>
 </file>
 
-<file path=ppt/slides/slide12.xml><?xml version="1.0" encoding="utf-8"?>
+<file path=ppt/slides/slide13.xml><?xml version="1.0" encoding="utf-8"?>
 <p:sld xmlns:a="http://schemas.openxmlformats.org/drawingml/2006/main" xmlns:r="http://schemas.openxmlformats.org/officeDocument/2006/relationships" xmlns:p="http://schemas.openxmlformats.org/presentationml/2006/main">
   <p:cSld>
     <p:spTree>
@@ -9909,7 +12234,7 @@
             <a:fld id="{4FAB73BC-B049-4115-A692-8D63A059BFB8}" type="slidenum">
               <a:rPr lang="en-US" smtClean="0"/>
               <a:pPr/>
-              <a:t>12</a:t>
+              <a:t>13</a:t>
             </a:fld>
             <a:endParaRPr lang="en-US" dirty="0"/>
           </a:p>
@@ -9967,7 +12292,7 @@
           <a:p>
             <a:fld id="{948573EF-FFD8-44FC-977C-B25B66D94CEE}" type="datetime1">
               <a:rPr lang="ko-KR" altLang="en-US" smtClean="0"/>
-              <a:t>2020-07-30</a:t>
+              <a:t>2020-08-06</a:t>
             </a:fld>
             <a:endParaRPr lang="en-US" dirty="0"/>
           </a:p>
@@ -10150,7 +12475,7 @@
 </p:sld>
 </file>
 
-<file path=ppt/slides/slide13.xml><?xml version="1.0" encoding="utf-8"?>
+<file path=ppt/slides/slide14.xml><?xml version="1.0" encoding="utf-8"?>
 <p:sld xmlns:a="http://schemas.openxmlformats.org/drawingml/2006/main" xmlns:r="http://schemas.openxmlformats.org/officeDocument/2006/relationships" xmlns:p="http://schemas.openxmlformats.org/presentationml/2006/main">
   <p:cSld>
     <p:spTree>
@@ -10353,7 +12678,7 @@
             <a:fld id="{4FAB73BC-B049-4115-A692-8D63A059BFB8}" type="slidenum">
               <a:rPr lang="en-US" smtClean="0"/>
               <a:pPr/>
-              <a:t>13</a:t>
+              <a:t>14</a:t>
             </a:fld>
             <a:endParaRPr lang="en-US" dirty="0"/>
           </a:p>
@@ -10387,7 +12712,7 @@
           <a:p>
             <a:fld id="{8F64EEAD-4984-41D6-8E70-B8D3C85660B7}" type="datetime1">
               <a:rPr lang="ko-KR" altLang="en-US" smtClean="0"/>
-              <a:t>2020-07-30</a:t>
+              <a:t>2020-08-06</a:t>
             </a:fld>
             <a:endParaRPr lang="en-US" dirty="0"/>
           </a:p>
@@ -10613,7 +12938,7 @@
           <a:p>
             <a:fld id="{CF754B2A-8525-4AF4-B3B6-5B4AA9E148D5}" type="datetime1">
               <a:rPr lang="ko-KR" altLang="en-US" smtClean="0"/>
-              <a:t>2020-07-30</a:t>
+              <a:t>2020-08-06</a:t>
             </a:fld>
             <a:endParaRPr lang="en-US" dirty="0"/>
           </a:p>
@@ -10984,7 +13309,7 @@
           <a:p>
             <a:fld id="{CF754B2A-8525-4AF4-B3B6-5B4AA9E148D5}" type="datetime1">
               <a:rPr lang="ko-KR" altLang="en-US" smtClean="0"/>
-              <a:t>2020-07-30</a:t>
+              <a:t>2020-08-06</a:t>
             </a:fld>
             <a:endParaRPr lang="en-US" dirty="0"/>
           </a:p>
@@ -11364,7 +13689,7 @@
           <a:p>
             <a:fld id="{793FA439-1AF0-4114-85D0-94817C2CD7F4}" type="datetime1">
               <a:rPr lang="ko-KR" altLang="en-US" smtClean="0"/>
-              <a:t>2020-07-30</a:t>
+              <a:t>2020-08-06</a:t>
             </a:fld>
             <a:endParaRPr lang="en-US" dirty="0"/>
           </a:p>
@@ -11683,7 +14008,7 @@
           <a:p>
             <a:fld id="{835A3A55-8703-4404-B685-585B47BF8635}" type="datetime1">
               <a:rPr lang="ko-KR" altLang="en-US" smtClean="0"/>
-              <a:t>2020-07-30</a:t>
+              <a:t>2020-08-06</a:t>
             </a:fld>
             <a:endParaRPr lang="en-US" dirty="0"/>
           </a:p>
@@ -12079,7 +14404,7 @@
           <a:p>
             <a:fld id="{835A3A55-8703-4404-B685-585B47BF8635}" type="datetime1">
               <a:rPr lang="ko-KR" altLang="en-US" smtClean="0"/>
-              <a:t>2020-07-30</a:t>
+              <a:t>2020-08-06</a:t>
             </a:fld>
             <a:endParaRPr lang="en-US" dirty="0"/>
           </a:p>
@@ -12586,7 +14911,7 @@
           <a:p>
             <a:fld id="{835A3A55-8703-4404-B685-585B47BF8635}" type="datetime1">
               <a:rPr lang="ko-KR" altLang="en-US" smtClean="0"/>
-              <a:t>2020-07-30</a:t>
+              <a:t>2020-08-06</a:t>
             </a:fld>
             <a:endParaRPr lang="en-US" dirty="0"/>
           </a:p>
@@ -13093,7 +15418,7 @@
           <a:p>
             <a:fld id="{835A3A55-8703-4404-B685-585B47BF8635}" type="datetime1">
               <a:rPr lang="ko-KR" altLang="en-US" smtClean="0"/>
-              <a:t>2020-07-30</a:t>
+              <a:t>2020-08-06</a:t>
             </a:fld>
             <a:endParaRPr lang="en-US" dirty="0"/>
           </a:p>
@@ -13520,7 +15845,7 @@
           <a:p>
             <a:fld id="{835A3A55-8703-4404-B685-585B47BF8635}" type="datetime1">
               <a:rPr lang="ko-KR" altLang="en-US" smtClean="0"/>
-              <a:t>2020-07-30</a:t>
+              <a:t>2020-08-06</a:t>
             </a:fld>
             <a:endParaRPr lang="en-US" dirty="0"/>
           </a:p>
@@ -14374,6 +16699,15 @@
 </file>
 
 <file path=customXml/item2.xml><?xml version="1.0" encoding="utf-8"?>
+<?mso-contentType ?>
+<FormTemplates xmlns="http://schemas.microsoft.com/sharepoint/v3/contenttype/forms">
+  <Display>DocumentLibraryForm</Display>
+  <Edit>DocumentLibraryForm</Edit>
+  <New>DocumentLibraryForm</New>
+</FormTemplates>
+</file>
+
+<file path=customXml/item3.xml><?xml version="1.0" encoding="utf-8"?>
 <ct:contentTypeSchema xmlns:ct="http://schemas.microsoft.com/office/2006/metadata/contentType" xmlns:ma="http://schemas.microsoft.com/office/2006/metadata/properties/metaAttributes" ct:_="" ma:_="" ma:contentTypeName="문서" ma:contentTypeID="0x010100069E9B57EE2795448F0A5E9185979C4D" ma:contentTypeVersion="8" ma:contentTypeDescription="새 문서를 만듭니다." ma:contentTypeScope="" ma:versionID="ebe0296ce44ae013142285ed7e07a224">
   <xsd:schema xmlns:xsd="http://www.w3.org/2001/XMLSchema" xmlns:xs="http://www.w3.org/2001/XMLSchema" xmlns:p="http://schemas.microsoft.com/office/2006/metadata/properties" xmlns:ns3="830c12de-feef-4459-9b5f-ae8f8d246afc" targetNamespace="http://schemas.microsoft.com/office/2006/metadata/properties" ma:root="true" ma:fieldsID="9b81d5a7373f737e47b28cbf5b27ef70" ns3:_="">
     <xsd:import namespace="830c12de-feef-4459-9b5f-ae8f8d246afc"/>
@@ -14543,15 +16877,6 @@
 </ct:contentTypeSchema>
 </file>
 
-<file path=customXml/item3.xml><?xml version="1.0" encoding="utf-8"?>
-<?mso-contentType ?>
-<FormTemplates xmlns="http://schemas.microsoft.com/sharepoint/v3/contenttype/forms">
-  <Display>DocumentLibraryForm</Display>
-  <Edit>DocumentLibraryForm</Edit>
-  <New>DocumentLibraryForm</New>
-</FormTemplates>
-</file>
-
 <file path=customXml/itemProps1.xml><?xml version="1.0" encoding="utf-8"?>
 <ds:datastoreItem xmlns:ds="http://schemas.openxmlformats.org/officeDocument/2006/customXml" ds:itemID="{9063696C-3651-4B20-95C9-9D01E44F83E0}">
   <ds:schemaRefs>
@@ -14563,6 +16888,14 @@
 </file>
 
 <file path=customXml/itemProps2.xml><?xml version="1.0" encoding="utf-8"?>
+<ds:datastoreItem xmlns:ds="http://schemas.openxmlformats.org/officeDocument/2006/customXml" ds:itemID="{D5BAE4EC-A401-4A94-B3A5-9FF5C310C1D2}">
+  <ds:schemaRefs>
+    <ds:schemaRef ds:uri="http://schemas.microsoft.com/sharepoint/v3/contenttype/forms"/>
+  </ds:schemaRefs>
+</ds:datastoreItem>
+</file>
+
+<file path=customXml/itemProps3.xml><?xml version="1.0" encoding="utf-8"?>
 <ds:datastoreItem xmlns:ds="http://schemas.openxmlformats.org/officeDocument/2006/customXml" ds:itemID="{0EC03C6A-0A9D-4AA5-9D9B-E95566FFA593}">
   <ds:schemaRefs>
     <ds:schemaRef ds:uri="http://schemas.microsoft.com/office/2006/metadata/contentType"/>
@@ -14579,12 +16912,4 @@
     <ds:schemaRef ds:uri="http://schemas.microsoft.com/internal/obd"/>
   </ds:schemaRefs>
 </ds:datastoreItem>
-</file>
-
-<file path=customXml/itemProps3.xml><?xml version="1.0" encoding="utf-8"?>
-<ds:datastoreItem xmlns:ds="http://schemas.openxmlformats.org/officeDocument/2006/customXml" ds:itemID="{D5BAE4EC-A401-4A94-B3A5-9FF5C310C1D2}">
-  <ds:schemaRefs>
-    <ds:schemaRef ds:uri="http://schemas.microsoft.com/sharepoint/v3/contenttype/forms"/>
-  </ds:schemaRefs>
-</ds:datastoreItem>
 </file>